--- a/Presentation_Simonov.PPTX
+++ b/Presentation_Simonov.PPTX
@@ -2,7 +2,7 @@
 <file path=ppt/presentation.xml><?xml version="1.0" encoding="utf-8"?>
 <p:presentation xmlns:a="http://schemas.openxmlformats.org/drawingml/2006/main" xmlns:r="http://schemas.openxmlformats.org/officeDocument/2006/relationships" xmlns:p="http://schemas.openxmlformats.org/presentationml/2006/main" saveSubsetFonts="1">
   <p:sldMasterIdLst>
-    <p:sldMasterId id="2147483880" r:id="rId1"/>
+    <p:sldMasterId id="2147483892" r:id="rId1"/>
   </p:sldMasterIdLst>
   <p:notesMasterIdLst>
     <p:notesMasterId r:id="rId18"/>
@@ -224,7 +224,7 @@
             <a:fld id="{CF0BCED4-4D6E-47E4-9A58-EF37E727E972}" type="datetimeFigureOut">
               <a:rPr lang="ru-RU" smtClean="0"/>
               <a:pPr/>
-              <a:t>21.05.2024</a:t>
+              <a:t>22.05.2024</a:t>
             </a:fld>
             <a:endParaRPr lang="ru-RU"/>
           </a:p>
@@ -663,6 +663,91 @@
 </p:notes>
 </file>
 
+<file path=ppt/notesSlides/notesSlide3.xml><?xml version="1.0" encoding="utf-8"?>
+<p:notes xmlns:a="http://schemas.openxmlformats.org/drawingml/2006/main" xmlns:r="http://schemas.openxmlformats.org/officeDocument/2006/relationships" xmlns:p="http://schemas.openxmlformats.org/presentationml/2006/main">
+  <p:cSld>
+    <p:spTree>
+      <p:nvGrpSpPr>
+        <p:cNvPr id="1" name=""/>
+        <p:cNvGrpSpPr/>
+        <p:nvPr/>
+      </p:nvGrpSpPr>
+      <p:grpSpPr>
+        <a:xfrm>
+          <a:off x="0" y="0"/>
+          <a:ext cx="0" cy="0"/>
+          <a:chOff x="0" y="0"/>
+          <a:chExt cx="0" cy="0"/>
+        </a:xfrm>
+      </p:grpSpPr>
+      <p:sp>
+        <p:nvSpPr>
+          <p:cNvPr id="2" name="Образ слайда 1"/>
+          <p:cNvSpPr>
+            <a:spLocks noGrp="1" noRot="1" noChangeAspect="1"/>
+          </p:cNvSpPr>
+          <p:nvPr>
+            <p:ph type="sldImg"/>
+          </p:nvPr>
+        </p:nvSpPr>
+        <p:spPr/>
+      </p:sp>
+      <p:sp>
+        <p:nvSpPr>
+          <p:cNvPr id="3" name="Заметки 2"/>
+          <p:cNvSpPr>
+            <a:spLocks noGrp="1"/>
+          </p:cNvSpPr>
+          <p:nvPr>
+            <p:ph type="body" idx="1"/>
+          </p:nvPr>
+        </p:nvSpPr>
+        <p:spPr/>
+        <p:txBody>
+          <a:bodyPr/>
+          <a:lstStyle/>
+          <a:p>
+            <a:endParaRPr lang="ru-RU"/>
+          </a:p>
+        </p:txBody>
+      </p:sp>
+      <p:sp>
+        <p:nvSpPr>
+          <p:cNvPr id="4" name="Номер слайда 3"/>
+          <p:cNvSpPr>
+            <a:spLocks noGrp="1"/>
+          </p:cNvSpPr>
+          <p:nvPr>
+            <p:ph type="sldNum" sz="quarter" idx="10"/>
+          </p:nvPr>
+        </p:nvSpPr>
+        <p:spPr/>
+        <p:txBody>
+          <a:bodyPr/>
+          <a:lstStyle/>
+          <a:p>
+            <a:fld id="{A6296A37-7290-4742-9FC5-8256E19FBB90}" type="slidenum">
+              <a:rPr lang="ru-RU" smtClean="0"/>
+              <a:pPr/>
+              <a:t>11</a:t>
+            </a:fld>
+            <a:endParaRPr lang="ru-RU"/>
+          </a:p>
+        </p:txBody>
+      </p:sp>
+    </p:spTree>
+    <p:extLst>
+      <p:ext uri="{BB962C8B-B14F-4D97-AF65-F5344CB8AC3E}">
+        <p14:creationId xmlns:p14="http://schemas.microsoft.com/office/powerpoint/2010/main" val="581288954"/>
+      </p:ext>
+    </p:extLst>
+  </p:cSld>
+  <p:clrMapOvr>
+    <a:masterClrMapping/>
+  </p:clrMapOvr>
+</p:notes>
+</file>
+
 <file path=ppt/slideLayouts/slideLayout1.xml><?xml version="1.0" encoding="utf-8"?>
 <p:sldLayout xmlns:a="http://schemas.openxmlformats.org/drawingml/2006/main" xmlns:r="http://schemas.openxmlformats.org/officeDocument/2006/relationships" xmlns:p="http://schemas.openxmlformats.org/presentationml/2006/main" showMasterSp="0" type="title" preserve="1">
   <p:cSld name="Титульный слайд">
@@ -890,7 +975,7 @@
             <a:fld id="{F2EA8CEC-8B7A-443D-B42A-BFB42A1487AF}" type="datetime1">
               <a:rPr lang="ru-RU" smtClean="0"/>
               <a:pPr/>
-              <a:t>21.05.2024</a:t>
+              <a:t>22.05.2024</a:t>
             </a:fld>
             <a:endParaRPr lang="ru-RU"/>
           </a:p>
@@ -980,7 +1065,7 @@
     </p:spTree>
     <p:extLst>
       <p:ext uri="{BB962C8B-B14F-4D97-AF65-F5344CB8AC3E}">
-        <p14:creationId xmlns:p14="http://schemas.microsoft.com/office/powerpoint/2010/main" val="1365464109"/>
+        <p14:creationId xmlns:p14="http://schemas.microsoft.com/office/powerpoint/2010/main" val="4160555805"/>
       </p:ext>
     </p:extLst>
   </p:cSld>
@@ -1100,7 +1185,7 @@
             <a:fld id="{311A2868-71E6-4294-8835-B8B75A482DFB}" type="datetime1">
               <a:rPr lang="ru-RU" smtClean="0"/>
               <a:pPr/>
-              <a:t>21.05.2024</a:t>
+              <a:t>22.05.2024</a:t>
             </a:fld>
             <a:endParaRPr lang="ru-RU"/>
           </a:p>
@@ -1152,7 +1237,7 @@
     </p:spTree>
     <p:extLst>
       <p:ext uri="{BB962C8B-B14F-4D97-AF65-F5344CB8AC3E}">
-        <p14:creationId xmlns:p14="http://schemas.microsoft.com/office/powerpoint/2010/main" val="747260310"/>
+        <p14:creationId xmlns:p14="http://schemas.microsoft.com/office/powerpoint/2010/main" val="3138337121"/>
       </p:ext>
     </p:extLst>
   </p:cSld>
@@ -1267,8 +1352,8 @@
         </p:nvSpPr>
         <p:spPr>
           <a:xfrm>
-            <a:off x="6543675" y="414779"/>
-            <a:ext cx="1971675" cy="5757421"/>
+            <a:off x="6543675" y="412302"/>
+            <a:ext cx="1971675" cy="5759898"/>
           </a:xfrm>
         </p:spPr>
         <p:txBody>
@@ -1295,8 +1380,8 @@
         </p:nvSpPr>
         <p:spPr>
           <a:xfrm>
-            <a:off x="628650" y="414779"/>
-            <a:ext cx="5800725" cy="5757420"/>
+            <a:off x="628650" y="412302"/>
+            <a:ext cx="5800725" cy="5759898"/>
           </a:xfrm>
         </p:spPr>
         <p:txBody>
@@ -1358,7 +1443,7 @@
             <a:fld id="{E83685EC-6D1B-4508-A049-AD1800FFF879}" type="datetime1">
               <a:rPr lang="ru-RU" smtClean="0"/>
               <a:pPr/>
-              <a:t>21.05.2024</a:t>
+              <a:t>22.05.2024</a:t>
             </a:fld>
             <a:endParaRPr lang="ru-RU"/>
           </a:p>
@@ -1410,7 +1495,7 @@
     </p:spTree>
     <p:extLst>
       <p:ext uri="{BB962C8B-B14F-4D97-AF65-F5344CB8AC3E}">
-        <p14:creationId xmlns:p14="http://schemas.microsoft.com/office/powerpoint/2010/main" val="101847453"/>
+        <p14:creationId xmlns:p14="http://schemas.microsoft.com/office/powerpoint/2010/main" val="4087509424"/>
       </p:ext>
     </p:extLst>
   </p:cSld>
@@ -1447,18 +1532,13 @@
             <p:ph type="title"/>
           </p:nvPr>
         </p:nvSpPr>
-        <p:spPr>
-          <a:xfrm>
-            <a:off x="713162" y="222738"/>
-            <a:ext cx="7543801" cy="860155"/>
-          </a:xfrm>
-        </p:spPr>
+        <p:spPr/>
         <p:txBody>
           <a:bodyPr/>
           <a:lstStyle/>
           <a:p>
             <a:r>
-              <a:rPr lang="ru-RU" dirty="0" smtClean="0"/>
+              <a:rPr lang="ru-RU" smtClean="0"/>
               <a:t>Образец заголовка</a:t>
             </a:r>
             <a:endParaRPr lang="en-US" dirty="0"/>
@@ -1475,47 +1555,42 @@
             <p:ph idx="1"/>
           </p:nvPr>
         </p:nvSpPr>
-        <p:spPr>
-          <a:xfrm>
-            <a:off x="713161" y="1188772"/>
-            <a:ext cx="7543801" cy="4930673"/>
-          </a:xfrm>
-        </p:spPr>
+        <p:spPr/>
         <p:txBody>
           <a:bodyPr/>
           <a:lstStyle/>
           <a:p>
             <a:pPr lvl="0"/>
             <a:r>
-              <a:rPr lang="ru-RU" dirty="0" smtClean="0"/>
+              <a:rPr lang="ru-RU" smtClean="0"/>
               <a:t>Образец текста</a:t>
             </a:r>
           </a:p>
           <a:p>
             <a:pPr lvl="1"/>
             <a:r>
-              <a:rPr lang="ru-RU" dirty="0" smtClean="0"/>
+              <a:rPr lang="ru-RU" smtClean="0"/>
               <a:t>Второй уровень</a:t>
             </a:r>
           </a:p>
           <a:p>
             <a:pPr lvl="2"/>
             <a:r>
-              <a:rPr lang="ru-RU" dirty="0" smtClean="0"/>
+              <a:rPr lang="ru-RU" smtClean="0"/>
               <a:t>Третий уровень</a:t>
             </a:r>
           </a:p>
           <a:p>
             <a:pPr lvl="3"/>
             <a:r>
-              <a:rPr lang="ru-RU" dirty="0" smtClean="0"/>
+              <a:rPr lang="ru-RU" smtClean="0"/>
               <a:t>Четвертый уровень</a:t>
             </a:r>
           </a:p>
           <a:p>
             <a:pPr lvl="4"/>
             <a:r>
-              <a:rPr lang="ru-RU" dirty="0" smtClean="0"/>
+              <a:rPr lang="ru-RU" smtClean="0"/>
               <a:t>Пятый уровень</a:t>
             </a:r>
             <a:endParaRPr lang="en-US" dirty="0"/>
@@ -1540,7 +1615,7 @@
             <a:fld id="{78B7F7CC-707A-4B28-BA90-A3B6191B6329}" type="datetime1">
               <a:rPr lang="ru-RU" smtClean="0"/>
               <a:pPr/>
-              <a:t>21.05.2024</a:t>
+              <a:t>22.05.2024</a:t>
             </a:fld>
             <a:endParaRPr lang="ru-RU"/>
           </a:p>
@@ -1592,7 +1667,7 @@
     </p:spTree>
     <p:extLst>
       <p:ext uri="{BB962C8B-B14F-4D97-AF65-F5344CB8AC3E}">
-        <p14:creationId xmlns:p14="http://schemas.microsoft.com/office/powerpoint/2010/main" val="870080872"/>
+        <p14:creationId xmlns:p14="http://schemas.microsoft.com/office/powerpoint/2010/main" val="952383295"/>
       </p:ext>
     </p:extLst>
   </p:cSld>
@@ -1885,7 +1960,7 @@
             <a:fld id="{531A43FA-49D7-480B-922E-CCF7DECB4256}" type="datetime1">
               <a:rPr lang="ru-RU" smtClean="0"/>
               <a:pPr/>
-              <a:t>21.05.2024</a:t>
+              <a:t>22.05.2024</a:t>
             </a:fld>
             <a:endParaRPr lang="ru-RU"/>
           </a:p>
@@ -1975,7 +2050,7 @@
     </p:spTree>
     <p:extLst>
       <p:ext uri="{BB962C8B-B14F-4D97-AF65-F5344CB8AC3E}">
-        <p14:creationId xmlns:p14="http://schemas.microsoft.com/office/powerpoint/2010/main" val="1239661972"/>
+        <p14:creationId xmlns:p14="http://schemas.microsoft.com/office/powerpoint/2010/main" val="3715531510"/>
       </p:ext>
     </p:extLst>
   </p:cSld>
@@ -2042,7 +2117,64 @@
         </p:nvSpPr>
         <p:spPr>
           <a:xfrm>
-            <a:off x="822960" y="1845734"/>
+            <a:off x="822960" y="1845735"/>
+            <a:ext cx="3703320" cy="4023359"/>
+          </a:xfrm>
+        </p:spPr>
+        <p:txBody>
+          <a:bodyPr/>
+          <a:lstStyle/>
+          <a:p>
+            <a:pPr lvl="0"/>
+            <a:r>
+              <a:rPr lang="ru-RU" smtClean="0"/>
+              <a:t>Образец текста</a:t>
+            </a:r>
+          </a:p>
+          <a:p>
+            <a:pPr lvl="1"/>
+            <a:r>
+              <a:rPr lang="ru-RU" smtClean="0"/>
+              <a:t>Второй уровень</a:t>
+            </a:r>
+          </a:p>
+          <a:p>
+            <a:pPr lvl="2"/>
+            <a:r>
+              <a:rPr lang="ru-RU" smtClean="0"/>
+              <a:t>Третий уровень</a:t>
+            </a:r>
+          </a:p>
+          <a:p>
+            <a:pPr lvl="3"/>
+            <a:r>
+              <a:rPr lang="ru-RU" smtClean="0"/>
+              <a:t>Четвертый уровень</a:t>
+            </a:r>
+          </a:p>
+          <a:p>
+            <a:pPr lvl="4"/>
+            <a:r>
+              <a:rPr lang="ru-RU" smtClean="0"/>
+              <a:t>Пятый уровень</a:t>
+            </a:r>
+            <a:endParaRPr lang="en-US" dirty="0"/>
+          </a:p>
+        </p:txBody>
+      </p:sp>
+      <p:sp>
+        <p:nvSpPr>
+          <p:cNvPr id="4" name="Content Placeholder 3"/>
+          <p:cNvSpPr>
+            <a:spLocks noGrp="1"/>
+          </p:cNvSpPr>
+          <p:nvPr>
+            <p:ph sz="half" idx="2"/>
+          </p:nvPr>
+        </p:nvSpPr>
+        <p:spPr>
+          <a:xfrm>
+            <a:off x="4663440" y="1845735"/>
             <a:ext cx="3703320" cy="4023360"/>
           </a:xfrm>
         </p:spPr>
@@ -2089,63 +2221,6 @@
       </p:sp>
       <p:sp>
         <p:nvSpPr>
-          <p:cNvPr id="4" name="Content Placeholder 3"/>
-          <p:cNvSpPr>
-            <a:spLocks noGrp="1"/>
-          </p:cNvSpPr>
-          <p:nvPr>
-            <p:ph sz="half" idx="2"/>
-          </p:nvPr>
-        </p:nvSpPr>
-        <p:spPr>
-          <a:xfrm>
-            <a:off x="4663440" y="1845736"/>
-            <a:ext cx="3703320" cy="4023359"/>
-          </a:xfrm>
-        </p:spPr>
-        <p:txBody>
-          <a:bodyPr/>
-          <a:lstStyle/>
-          <a:p>
-            <a:pPr lvl="0"/>
-            <a:r>
-              <a:rPr lang="ru-RU" smtClean="0"/>
-              <a:t>Образец текста</a:t>
-            </a:r>
-          </a:p>
-          <a:p>
-            <a:pPr lvl="1"/>
-            <a:r>
-              <a:rPr lang="ru-RU" smtClean="0"/>
-              <a:t>Второй уровень</a:t>
-            </a:r>
-          </a:p>
-          <a:p>
-            <a:pPr lvl="2"/>
-            <a:r>
-              <a:rPr lang="ru-RU" smtClean="0"/>
-              <a:t>Третий уровень</a:t>
-            </a:r>
-          </a:p>
-          <a:p>
-            <a:pPr lvl="3"/>
-            <a:r>
-              <a:rPr lang="ru-RU" smtClean="0"/>
-              <a:t>Четвертый уровень</a:t>
-            </a:r>
-          </a:p>
-          <a:p>
-            <a:pPr lvl="4"/>
-            <a:r>
-              <a:rPr lang="ru-RU" smtClean="0"/>
-              <a:t>Пятый уровень</a:t>
-            </a:r>
-            <a:endParaRPr lang="en-US" dirty="0"/>
-          </a:p>
-        </p:txBody>
-      </p:sp>
-      <p:sp>
-        <p:nvSpPr>
           <p:cNvPr id="5" name="Date Placeholder 4"/>
           <p:cNvSpPr>
             <a:spLocks noGrp="1"/>
@@ -2162,7 +2237,7 @@
             <a:fld id="{FBD34CF2-CAA8-43A5-B3BF-4F44E4945C0A}" type="datetime1">
               <a:rPr lang="ru-RU" smtClean="0"/>
               <a:pPr/>
-              <a:t>21.05.2024</a:t>
+              <a:t>22.05.2024</a:t>
             </a:fld>
             <a:endParaRPr lang="ru-RU"/>
           </a:p>
@@ -2214,7 +2289,7 @@
     </p:spTree>
     <p:extLst>
       <p:ext uri="{BB962C8B-B14F-4D97-AF65-F5344CB8AC3E}">
-        <p14:creationId xmlns:p14="http://schemas.microsoft.com/office/powerpoint/2010/main" val="2927575520"/>
+        <p14:creationId xmlns:p14="http://schemas.microsoft.com/office/powerpoint/2010/main" val="1865465212"/>
       </p:ext>
     </p:extLst>
   </p:cSld>
@@ -2352,7 +2427,7 @@
         </p:nvSpPr>
         <p:spPr>
           <a:xfrm>
-            <a:off x="822960" y="2582334"/>
+            <a:off x="822960" y="2582335"/>
             <a:ext cx="3703320" cy="3286760"/>
           </a:xfrm>
         </p:spPr>
@@ -2543,7 +2618,7 @@
             <a:fld id="{71B9A9C0-1088-4768-B1CF-2B10AE3A6C8F}" type="datetime1">
               <a:rPr lang="ru-RU" smtClean="0"/>
               <a:pPr/>
-              <a:t>21.05.2024</a:t>
+              <a:t>22.05.2024</a:t>
             </a:fld>
             <a:endParaRPr lang="ru-RU"/>
           </a:p>
@@ -2595,7 +2670,7 @@
     </p:spTree>
     <p:extLst>
       <p:ext uri="{BB962C8B-B14F-4D97-AF65-F5344CB8AC3E}">
-        <p14:creationId xmlns:p14="http://schemas.microsoft.com/office/powerpoint/2010/main" val="4008693253"/>
+        <p14:creationId xmlns:p14="http://schemas.microsoft.com/office/powerpoint/2010/main" val="2082025623"/>
       </p:ext>
     </p:extLst>
   </p:cSld>
@@ -2663,7 +2738,7 @@
             <a:fld id="{4A24CB9A-716C-404D-9E32-F8E6CD683554}" type="datetime1">
               <a:rPr lang="ru-RU" smtClean="0"/>
               <a:pPr/>
-              <a:t>21.05.2024</a:t>
+              <a:t>22.05.2024</a:t>
             </a:fld>
             <a:endParaRPr lang="ru-RU"/>
           </a:p>
@@ -2715,7 +2790,7 @@
     </p:spTree>
     <p:extLst>
       <p:ext uri="{BB962C8B-B14F-4D97-AF65-F5344CB8AC3E}">
-        <p14:creationId xmlns:p14="http://schemas.microsoft.com/office/powerpoint/2010/main" val="979708247"/>
+        <p14:creationId xmlns:p14="http://schemas.microsoft.com/office/powerpoint/2010/main" val="3487086638"/>
       </p:ext>
     </p:extLst>
   </p:cSld>
@@ -2836,7 +2911,7 @@
             <a:fld id="{6F6E07C0-90BD-480F-B517-1963A08BF60B}" type="datetime1">
               <a:rPr lang="ru-RU" smtClean="0"/>
               <a:pPr/>
-              <a:t>21.05.2024</a:t>
+              <a:t>22.05.2024</a:t>
             </a:fld>
             <a:endParaRPr lang="ru-RU"/>
           </a:p>
@@ -2896,7 +2971,7 @@
     </p:spTree>
     <p:extLst>
       <p:ext uri="{BB962C8B-B14F-4D97-AF65-F5344CB8AC3E}">
-        <p14:creationId xmlns:p14="http://schemas.microsoft.com/office/powerpoint/2010/main" val="694368606"/>
+        <p14:creationId xmlns:p14="http://schemas.microsoft.com/office/powerpoint/2010/main" val="3218509574"/>
       </p:ext>
     </p:extLst>
   </p:cSld>
@@ -3049,8 +3124,8 @@
         </p:nvSpPr>
         <p:spPr>
           <a:xfrm>
-            <a:off x="3460237" y="731520"/>
-            <a:ext cx="5009393" cy="5257800"/>
+            <a:off x="3600450" y="731520"/>
+            <a:ext cx="4869180" cy="5257800"/>
           </a:xfrm>
         </p:spPr>
         <p:txBody>
@@ -3192,7 +3267,7 @@
             <a:fld id="{E644CFED-A97B-49F8-A449-25D89C9506D8}" type="datetime1">
               <a:rPr lang="ru-RU" smtClean="0"/>
               <a:pPr/>
-              <a:t>21.05.2024</a:t>
+              <a:t>22.05.2024</a:t>
             </a:fld>
             <a:endParaRPr lang="ru-RU"/>
           </a:p>
@@ -3265,7 +3340,7 @@
     </p:spTree>
     <p:extLst>
       <p:ext uri="{BB962C8B-B14F-4D97-AF65-F5344CB8AC3E}">
-        <p14:creationId xmlns:p14="http://schemas.microsoft.com/office/powerpoint/2010/main" val="4238571065"/>
+        <p14:creationId xmlns:p14="http://schemas.microsoft.com/office/powerpoint/2010/main" val="1761384864"/>
       </p:ext>
     </p:extLst>
   </p:cSld>
@@ -3421,23 +3496,18 @@
             <a:off x="12" y="0"/>
             <a:ext cx="9143989" cy="4915076"/>
           </a:xfrm>
-          <a:blipFill>
-            <a:blip r:embed="rId2"/>
-            <a:stretch>
-              <a:fillRect/>
-            </a:stretch>
-          </a:blipFill>
+          <a:solidFill>
+            <a:schemeClr val="bg2">
+              <a:lumMod val="90000"/>
+            </a:schemeClr>
+          </a:solidFill>
         </p:spPr>
         <p:txBody>
           <a:bodyPr lIns="457200" tIns="457200" anchor="t"/>
           <a:lstStyle>
             <a:lvl1pPr marL="0" indent="0">
               <a:buNone/>
-              <a:defRPr sz="3200">
-                <a:solidFill>
-                  <a:schemeClr val="bg1"/>
-                </a:solidFill>
-              </a:defRPr>
+              <a:defRPr sz="3200"/>
             </a:lvl1pPr>
             <a:lvl2pPr marL="457200" indent="0">
               <a:buNone/>
@@ -3493,7 +3563,7 @@
         </p:nvSpPr>
         <p:spPr>
           <a:xfrm>
-            <a:off x="822959" y="5907024"/>
+            <a:off x="822960" y="5907024"/>
             <a:ext cx="7589520" cy="594360"/>
           </a:xfrm>
         </p:spPr>
@@ -3576,7 +3646,7 @@
             <a:fld id="{688036F6-BB18-4B1F-B1C4-BA1FEAE9D6C7}" type="datetime1">
               <a:rPr lang="ru-RU" smtClean="0"/>
               <a:pPr/>
-              <a:t>21.05.2024</a:t>
+              <a:t>22.05.2024</a:t>
             </a:fld>
             <a:endParaRPr lang="ru-RU"/>
           </a:p>
@@ -3628,7 +3698,7 @@
     </p:spTree>
     <p:extLst>
       <p:ext uri="{BB962C8B-B14F-4D97-AF65-F5344CB8AC3E}">
-        <p14:creationId xmlns:p14="http://schemas.microsoft.com/office/powerpoint/2010/main" val="3800211969"/>
+        <p14:creationId xmlns:p14="http://schemas.microsoft.com/office/powerpoint/2010/main" val="1190095921"/>
       </p:ext>
     </p:extLst>
   </p:cSld>
@@ -3706,8 +3776,8 @@
         </p:nvSpPr>
         <p:spPr>
           <a:xfrm>
-            <a:off x="0" y="6334315"/>
-            <a:ext cx="9144001" cy="65999"/>
+            <a:off x="0" y="6334316"/>
+            <a:ext cx="9144001" cy="66484"/>
           </a:xfrm>
           <a:prstGeom prst="rect">
             <a:avLst/>
@@ -3748,8 +3818,8 @@
         </p:nvSpPr>
         <p:spPr>
           <a:xfrm>
-            <a:off x="834390" y="213149"/>
-            <a:ext cx="7543800" cy="856108"/>
+            <a:off x="822960" y="286604"/>
+            <a:ext cx="7543800" cy="1450757"/>
           </a:xfrm>
           <a:prstGeom prst="rect">
             <a:avLst/>
@@ -3762,7 +3832,7 @@
           <a:lstStyle/>
           <a:p>
             <a:r>
-              <a:rPr lang="ru-RU" dirty="0" smtClean="0"/>
+              <a:rPr lang="ru-RU" smtClean="0"/>
               <a:t>Образец заголовка</a:t>
             </a:r>
             <a:endParaRPr lang="en-US" dirty="0"/>
@@ -3781,8 +3851,8 @@
         </p:nvSpPr>
         <p:spPr>
           <a:xfrm>
-            <a:off x="822959" y="1187232"/>
-            <a:ext cx="7543801" cy="4681862"/>
+            <a:off x="822959" y="1845734"/>
+            <a:ext cx="7543801" cy="4023360"/>
           </a:xfrm>
           <a:prstGeom prst="rect">
             <a:avLst/>
@@ -3865,7 +3935,7 @@
             <a:fld id="{AC10A20D-6864-42A6-9734-5AD0C27E309F}" type="datetime1">
               <a:rPr lang="ru-RU" smtClean="0"/>
               <a:pPr/>
-              <a:t>21.05.2024</a:t>
+              <a:t>22.05.2024</a:t>
             </a:fld>
             <a:endParaRPr lang="ru-RU"/>
           </a:p>
@@ -3954,7 +4024,7 @@
         </p:nvCxnSpPr>
         <p:spPr>
           <a:xfrm>
-            <a:off x="868680" y="1128244"/>
+            <a:off x="895149" y="1737845"/>
             <a:ext cx="7475220" cy="0"/>
           </a:xfrm>
           <a:prstGeom prst="line">
@@ -3987,23 +4057,23 @@
     </p:spTree>
     <p:extLst>
       <p:ext uri="{BB962C8B-B14F-4D97-AF65-F5344CB8AC3E}">
-        <p14:creationId xmlns:p14="http://schemas.microsoft.com/office/powerpoint/2010/main" val="1895470501"/>
+        <p14:creationId xmlns:p14="http://schemas.microsoft.com/office/powerpoint/2010/main" val="2446930952"/>
       </p:ext>
     </p:extLst>
   </p:cSld>
   <p:clrMap bg1="lt1" tx1="dk1" bg2="lt2" tx2="dk2" accent1="accent1" accent2="accent2" accent3="accent3" accent4="accent4" accent5="accent5" accent6="accent6" hlink="hlink" folHlink="folHlink"/>
   <p:sldLayoutIdLst>
-    <p:sldLayoutId id="2147483881" r:id="rId1"/>
-    <p:sldLayoutId id="2147483882" r:id="rId2"/>
-    <p:sldLayoutId id="2147483883" r:id="rId3"/>
-    <p:sldLayoutId id="2147483884" r:id="rId4"/>
-    <p:sldLayoutId id="2147483885" r:id="rId5"/>
-    <p:sldLayoutId id="2147483886" r:id="rId6"/>
-    <p:sldLayoutId id="2147483887" r:id="rId7"/>
-    <p:sldLayoutId id="2147483888" r:id="rId8"/>
-    <p:sldLayoutId id="2147483889" r:id="rId9"/>
-    <p:sldLayoutId id="2147483890" r:id="rId10"/>
-    <p:sldLayoutId id="2147483891" r:id="rId11"/>
+    <p:sldLayoutId id="2147483893" r:id="rId1"/>
+    <p:sldLayoutId id="2147483894" r:id="rId2"/>
+    <p:sldLayoutId id="2147483895" r:id="rId3"/>
+    <p:sldLayoutId id="2147483896" r:id="rId4"/>
+    <p:sldLayoutId id="2147483897" r:id="rId5"/>
+    <p:sldLayoutId id="2147483898" r:id="rId6"/>
+    <p:sldLayoutId id="2147483899" r:id="rId7"/>
+    <p:sldLayoutId id="2147483900" r:id="rId8"/>
+    <p:sldLayoutId id="2147483901" r:id="rId9"/>
+    <p:sldLayoutId id="2147483902" r:id="rId10"/>
+    <p:sldLayoutId id="2147483903" r:id="rId11"/>
   </p:sldLayoutIdLst>
   <p:hf hdr="0" ftr="0" dt="0"/>
   <p:txStyles>
@@ -4423,7 +4493,7 @@
               <a:t>Тема</a:t>
             </a:r>
             <a:r>
-              <a:rPr lang="en-US" sz="4000" b="1" smtClean="0">
+              <a:rPr lang="en-US" sz="4000" b="1" dirty="0" smtClean="0">
                 <a:solidFill>
                   <a:schemeClr val="tx1"/>
                 </a:solidFill>
@@ -4431,7 +4501,7 @@
               <a:t>: </a:t>
             </a:r>
             <a:r>
-              <a:rPr lang="en-US" sz="5400" b="1" smtClean="0">
+              <a:rPr lang="en-US" sz="5400" b="1" dirty="0" smtClean="0">
                 <a:solidFill>
                   <a:schemeClr val="tx1"/>
                 </a:solidFill>
@@ -4439,31 +4509,31 @@
               <a:t/>
             </a:r>
             <a:br>
-              <a:rPr lang="en-US" sz="5400" b="1" smtClean="0">
+              <a:rPr lang="en-US" sz="5400" b="1" dirty="0" smtClean="0">
                 <a:solidFill>
                   <a:schemeClr val="tx1"/>
                 </a:solidFill>
               </a:rPr>
             </a:br>
             <a:r>
-              <a:rPr lang="ru-RU" sz="3200" smtClean="0"/>
+              <a:rPr lang="ru-RU" sz="3200" dirty="0" smtClean="0"/>
               <a:t>Эффективность адаптивной модуляции</a:t>
             </a:r>
             <a:br>
-              <a:rPr lang="ru-RU" sz="3200" smtClean="0"/>
+              <a:rPr lang="ru-RU" sz="3200" dirty="0" smtClean="0"/>
             </a:br>
             <a:r>
-              <a:rPr lang="ru-RU" sz="3200" smtClean="0"/>
+              <a:rPr lang="ru-RU" sz="3200" dirty="0" smtClean="0"/>
               <a:t>в системах мобильной связи при передаче</a:t>
             </a:r>
             <a:br>
-              <a:rPr lang="ru-RU" sz="3200" smtClean="0"/>
+              <a:rPr lang="ru-RU" sz="3200" dirty="0" smtClean="0"/>
             </a:br>
             <a:r>
-              <a:rPr lang="ru-RU" sz="3200" smtClean="0"/>
+              <a:rPr lang="ru-RU" sz="3200" dirty="0" smtClean="0"/>
               <a:t>информации в многолучевых каналах</a:t>
             </a:r>
-            <a:endParaRPr lang="ru-RU" sz="3200"/>
+            <a:endParaRPr lang="ru-RU" sz="3200" dirty="0"/>
           </a:p>
         </p:txBody>
       </p:sp>
@@ -4679,7 +4749,7 @@
         </p:nvSpPr>
         <p:spPr>
           <a:xfrm>
-            <a:off x="801290" y="300624"/>
+            <a:off x="888375" y="866682"/>
             <a:ext cx="7227894" cy="844740"/>
           </a:xfrm>
         </p:spPr>
@@ -4752,7 +4822,7 @@
         </p:blipFill>
         <p:spPr bwMode="auto">
           <a:xfrm>
-            <a:off x="801290" y="1145364"/>
+            <a:off x="888375" y="2058624"/>
             <a:ext cx="7650915" cy="2507006"/>
           </a:xfrm>
           <a:prstGeom prst="rect">
@@ -4767,6 +4837,72 @@
           </a:ln>
         </p:spPr>
       </p:pic>
+      <p:sp>
+        <p:nvSpPr>
+          <p:cNvPr id="4" name="TextBox 3"/>
+          <p:cNvSpPr txBox="1"/>
+          <p:nvPr/>
+        </p:nvSpPr>
+        <p:spPr>
+          <a:xfrm>
+            <a:off x="818606" y="4912832"/>
+            <a:ext cx="7720684" cy="1015663"/>
+          </a:xfrm>
+          <a:prstGeom prst="rect">
+            <a:avLst/>
+          </a:prstGeom>
+          <a:noFill/>
+        </p:spPr>
+        <p:txBody>
+          <a:bodyPr wrap="square" rtlCol="0">
+            <a:spAutoFit/>
+          </a:bodyPr>
+          <a:lstStyle/>
+          <a:p>
+            <a:r>
+              <a:rPr lang="ru-RU" sz="2000" dirty="0"/>
+              <a:t>	</a:t>
+            </a:r>
+            <a:r>
+              <a:rPr lang="ru-RU" sz="2000" dirty="0" smtClean="0"/>
+              <a:t>По заранее известному обучающему сигналу производится оценка ОСШ</a:t>
+            </a:r>
+            <a:r>
+              <a:rPr lang="en-US" sz="2000" dirty="0" smtClean="0"/>
+              <a:t>,</a:t>
+            </a:r>
+            <a:r>
+              <a:rPr lang="ru-RU" sz="2000" dirty="0" smtClean="0"/>
+              <a:t> в зависимости от ОСШ производится выбор</a:t>
+            </a:r>
+            <a:r>
+              <a:rPr lang="en-US" sz="2000" dirty="0" smtClean="0"/>
+              <a:t> </a:t>
+            </a:r>
+            <a:r>
+              <a:rPr lang="ru-RU" sz="2000" dirty="0" smtClean="0"/>
+              <a:t>битовой загрузки символа</a:t>
+            </a:r>
+            <a:r>
+              <a:rPr lang="en-US" sz="2000" dirty="0" smtClean="0"/>
+              <a:t>,</a:t>
+            </a:r>
+            <a:r>
+              <a:rPr lang="ru-RU" sz="2000" dirty="0" smtClean="0"/>
+              <a:t> </a:t>
+            </a:r>
+            <a:r>
+              <a:rPr lang="ru-RU" sz="2000" dirty="0" err="1" smtClean="0"/>
+              <a:t>т.е</a:t>
+            </a:r>
+            <a:r>
+              <a:rPr lang="ru-RU" sz="2000" dirty="0" smtClean="0"/>
+              <a:t> модуляции.</a:t>
+            </a:r>
+            <a:endParaRPr lang="ru-RU" sz="2000" dirty="0"/>
+          </a:p>
+        </p:txBody>
+      </p:sp>
     </p:spTree>
     <p:extLst>
       <p:ext uri="{BB962C8B-B14F-4D97-AF65-F5344CB8AC3E}">
@@ -4816,7 +4952,7 @@
         </p:nvSpPr>
         <p:spPr>
           <a:xfrm>
-            <a:off x="914400" y="75156"/>
+            <a:off x="896983" y="632505"/>
             <a:ext cx="6827208" cy="1111657"/>
           </a:xfrm>
         </p:spPr>
@@ -4873,7 +5009,7 @@
           <p:nvPr/>
         </p:nvPicPr>
         <p:blipFill>
-          <a:blip r:embed="rId2" cstate="print">
+          <a:blip r:embed="rId3" cstate="print">
             <a:extLst>
               <a:ext uri="{28A0092B-C50C-407E-A947-70E740481C1C}">
                 <a14:useLocalDpi xmlns:a14="http://schemas.microsoft.com/office/drawing/2010/main" val="0"/>
@@ -4887,7 +5023,7 @@
         </p:blipFill>
         <p:spPr bwMode="auto">
           <a:xfrm>
-            <a:off x="2226790" y="1361946"/>
+            <a:off x="2147914" y="1893168"/>
             <a:ext cx="4838700" cy="3343275"/>
           </a:xfrm>
           <a:prstGeom prst="rect">
@@ -4899,6 +5035,64 @@
           </a:ln>
         </p:spPr>
       </p:pic>
+      <p:sp>
+        <p:nvSpPr>
+          <p:cNvPr id="3" name="TextBox 2"/>
+          <p:cNvSpPr txBox="1"/>
+          <p:nvPr/>
+        </p:nvSpPr>
+        <p:spPr>
+          <a:xfrm>
+            <a:off x="646789" y="5140650"/>
+            <a:ext cx="7840951" cy="707886"/>
+          </a:xfrm>
+          <a:prstGeom prst="rect">
+            <a:avLst/>
+          </a:prstGeom>
+          <a:noFill/>
+        </p:spPr>
+        <p:txBody>
+          <a:bodyPr wrap="square" rtlCol="0">
+            <a:spAutoFit/>
+          </a:bodyPr>
+          <a:lstStyle/>
+          <a:p>
+            <a:r>
+              <a:rPr lang="ru-RU" sz="2000" dirty="0" smtClean="0"/>
+              <a:t>    Пороги </a:t>
+            </a:r>
+            <a:r>
+              <a:rPr lang="en-US" sz="2000" dirty="0" smtClean="0"/>
+              <a:t>P1 </a:t>
+            </a:r>
+            <a:r>
+              <a:rPr lang="ru-RU" sz="2000" dirty="0" smtClean="0"/>
+              <a:t>и </a:t>
+            </a:r>
+            <a:r>
+              <a:rPr lang="en-US" sz="2000" dirty="0" smtClean="0"/>
+              <a:t>P2</a:t>
+            </a:r>
+            <a:r>
+              <a:rPr lang="ru-RU" sz="2000" dirty="0" smtClean="0"/>
+              <a:t> выбираются таким образом</a:t>
+            </a:r>
+            <a:r>
+              <a:rPr lang="en-US" sz="2000" dirty="0" smtClean="0"/>
+              <a:t>,</a:t>
+            </a:r>
+            <a:r>
+              <a:rPr lang="ru-RU" sz="2000" dirty="0" smtClean="0"/>
+              <a:t> чтобы все модуляции использовались равновероятно</a:t>
+            </a:r>
+            <a:r>
+              <a:rPr lang="en-US" sz="2000" dirty="0" smtClean="0"/>
+              <a:t> </a:t>
+            </a:r>
+            <a:endParaRPr lang="ru-RU" sz="2000" dirty="0"/>
+          </a:p>
+        </p:txBody>
+      </p:sp>
     </p:spTree>
     <p:extLst>
       <p:ext uri="{BB962C8B-B14F-4D97-AF65-F5344CB8AC3E}">
@@ -5650,7 +5844,7 @@
         </p:nvSpPr>
         <p:spPr>
           <a:xfrm>
-            <a:off x="777879" y="316794"/>
+            <a:off x="777880" y="830599"/>
             <a:ext cx="7543800" cy="836982"/>
           </a:xfrm>
         </p:spPr>
@@ -5688,13 +5882,13 @@
         </p:nvSpPr>
         <p:spPr>
           <a:xfrm>
-            <a:off x="777879" y="1153776"/>
-            <a:ext cx="7543801" cy="4983977"/>
+            <a:off x="777879" y="1837509"/>
+            <a:ext cx="7543801" cy="4300244"/>
           </a:xfrm>
         </p:spPr>
         <p:txBody>
           <a:bodyPr>
-            <a:normAutofit fontScale="32500" lnSpcReduction="20000"/>
+            <a:normAutofit fontScale="25000" lnSpcReduction="20000"/>
           </a:bodyPr>
           <a:lstStyle/>
           <a:p>
@@ -5775,7 +5969,7 @@
               <a:t>	Сравнение систем с постоянной и адаптивной модуляцией</a:t>
             </a:r>
             <a:r>
-              <a:rPr lang="en-US" sz="9600" smtClean="0">
+              <a:rPr lang="en-US" sz="9600" dirty="0" smtClean="0">
                 <a:solidFill>
                   <a:schemeClr val="tx1"/>
                 </a:solidFill>
@@ -5783,20 +5977,12 @@
               <a:t>, </a:t>
             </a:r>
             <a:r>
-              <a:rPr lang="ru-RU" sz="9600" smtClean="0">
+              <a:rPr lang="ru-RU" sz="9600" dirty="0" smtClean="0">
                 <a:solidFill>
                   <a:schemeClr val="tx1"/>
                 </a:solidFill>
               </a:rPr>
-              <a:t>используя следующие метрики битовая </a:t>
-            </a:r>
-            <a:r>
-              <a:rPr lang="ru-RU" sz="9600" dirty="0" smtClean="0">
-                <a:solidFill>
-                  <a:schemeClr val="tx1"/>
-                </a:solidFill>
-              </a:rPr>
-              <a:t>и блоковая ошибк</a:t>
+              <a:t>используя следующие метрики битовая и блоковая ошибк</a:t>
             </a:r>
             <a:r>
               <a:rPr lang="ru-RU" sz="9600" dirty="0">
@@ -5917,7 +6103,7 @@
         </p:nvSpPr>
         <p:spPr>
           <a:xfrm>
-            <a:off x="805763" y="388307"/>
+            <a:off x="896983" y="884696"/>
             <a:ext cx="7603599" cy="775482"/>
           </a:xfrm>
         </p:spPr>
@@ -5955,13 +6141,13 @@
         </p:nvSpPr>
         <p:spPr>
           <a:xfrm>
-            <a:off x="805763" y="1279832"/>
-            <a:ext cx="7829067" cy="5086699"/>
+            <a:off x="896983" y="1828800"/>
+            <a:ext cx="7737847" cy="4537731"/>
           </a:xfrm>
         </p:spPr>
         <p:txBody>
           <a:bodyPr>
-            <a:normAutofit fontScale="77500" lnSpcReduction="20000"/>
+            <a:normAutofit fontScale="70000" lnSpcReduction="20000"/>
           </a:bodyPr>
           <a:lstStyle/>
           <a:p>
@@ -6121,7 +6307,7 @@
               <a:t>BER, BLER </a:t>
             </a:r>
             <a:r>
-              <a:rPr lang="ru-RU" sz="3100" smtClean="0">
+              <a:rPr lang="ru-RU" sz="3100" dirty="0" smtClean="0">
                 <a:solidFill>
                   <a:schemeClr val="tx1"/>
                 </a:solidFill>
@@ -6129,7 +6315,7 @@
               <a:t>и </a:t>
             </a:r>
             <a:r>
-              <a:rPr lang="en-US" sz="3100">
+              <a:rPr lang="en-US" sz="3100" dirty="0">
                 <a:solidFill>
                   <a:schemeClr val="tx1"/>
                 </a:solidFill>
@@ -6137,7 +6323,7 @@
               <a:t>t</a:t>
             </a:r>
             <a:r>
-              <a:rPr lang="en-US" sz="3100" smtClean="0">
+              <a:rPr lang="en-US" sz="3100" dirty="0" smtClean="0">
                 <a:solidFill>
                   <a:schemeClr val="tx1"/>
                 </a:solidFill>
@@ -6241,7 +6427,7 @@
         </p:nvSpPr>
         <p:spPr>
           <a:xfrm>
-            <a:off x="822959" y="175364"/>
+            <a:off x="822959" y="680461"/>
             <a:ext cx="7543800" cy="1031008"/>
           </a:xfrm>
         </p:spPr>
@@ -6260,38 +6446,6 @@
               <a:t>Модуляция и демодуляция</a:t>
             </a:r>
             <a:endParaRPr lang="ru-RU" sz="4400" dirty="0"/>
-          </a:p>
-        </p:txBody>
-      </p:sp>
-      <p:sp>
-        <p:nvSpPr>
-          <p:cNvPr id="3" name="Номер слайда 2"/>
-          <p:cNvSpPr>
-            <a:spLocks noGrp="1"/>
-          </p:cNvSpPr>
-          <p:nvPr>
-            <p:ph type="sldNum" sz="quarter" idx="12"/>
-          </p:nvPr>
-        </p:nvSpPr>
-        <p:spPr/>
-        <p:txBody>
-          <a:bodyPr/>
-          <a:lstStyle/>
-          <a:p>
-            <a:fld id="{0A6D1207-A211-430D-84A8-323056D46506}" type="slidenum">
-              <a:rPr lang="ru-RU" sz="1800" smtClean="0">
-                <a:solidFill>
-                  <a:schemeClr val="tx1"/>
-                </a:solidFill>
-              </a:rPr>
-              <a:pPr/>
-              <a:t>4</a:t>
-            </a:fld>
-            <a:endParaRPr lang="ru-RU" sz="1800" dirty="0">
-              <a:solidFill>
-                <a:schemeClr val="tx1"/>
-              </a:solidFill>
-            </a:endParaRPr>
           </a:p>
         </p:txBody>
       </p:sp>
@@ -6309,12 +6463,14 @@
             </p:nvSpPr>
             <p:spPr>
               <a:xfrm>
-                <a:off x="538560" y="1240614"/>
-                <a:ext cx="7543801" cy="4930673"/>
+                <a:off x="822959" y="1802673"/>
+                <a:ext cx="7259402" cy="4368613"/>
               </a:xfrm>
             </p:spPr>
             <p:txBody>
-              <a:bodyPr/>
+              <a:bodyPr>
+                <a:normAutofit lnSpcReduction="10000"/>
+              </a:bodyPr>
               <a:lstStyle/>
               <a:p>
                 <a:pPr marL="0" indent="0">
@@ -6415,31 +6571,41 @@
                     </m:oMathParaPr>
                     <m:oMath xmlns:m="http://schemas.openxmlformats.org/officeDocument/2006/math">
                       <m:r>
-                        <a:rPr lang="ru-RU" i="1"/>
+                        <a:rPr lang="ru-RU" i="1">
+                          <a:latin typeface="Cambria Math" panose="02040503050406030204" pitchFamily="18" charset="0"/>
+                        </a:rPr>
                         <m:t>𝐿𝐿𝑅</m:t>
                       </m:r>
                       <m:d>
                         <m:dPr>
                           <m:ctrlPr>
-                            <a:rPr lang="ru-RU" i="1"/>
+                            <a:rPr lang="ru-RU" i="1">
+                              <a:latin typeface="Cambria Math" panose="02040503050406030204" pitchFamily="18" charset="0"/>
+                            </a:rPr>
                           </m:ctrlPr>
                         </m:dPr>
                         <m:e>
                           <m:sSub>
                             <m:sSubPr>
                               <m:ctrlPr>
-                                <a:rPr lang="ru-RU" i="1"/>
+                                <a:rPr lang="ru-RU" i="1">
+                                  <a:latin typeface="Cambria Math" panose="02040503050406030204" pitchFamily="18" charset="0"/>
+                                </a:rPr>
                               </m:ctrlPr>
                             </m:sSubPr>
                             <m:e>
                               <m:r>
-                                <a:rPr lang="ru-RU" i="1"/>
+                                <a:rPr lang="ru-RU" i="1">
+                                  <a:latin typeface="Cambria Math" panose="02040503050406030204" pitchFamily="18" charset="0"/>
+                                </a:rPr>
                                 <m:t>𝑐</m:t>
                               </m:r>
                             </m:e>
                             <m:sub>
                               <m:r>
-                                <a:rPr lang="ru-RU" i="1"/>
+                                <a:rPr lang="ru-RU" i="1">
+                                  <a:latin typeface="Cambria Math" panose="02040503050406030204" pitchFamily="18" charset="0"/>
+                                </a:rPr>
                                 <m:t>𝑖</m:t>
                               </m:r>
                             </m:sub>
@@ -6447,11 +6613,15 @@
                         </m:e>
                       </m:d>
                       <m:r>
-                        <a:rPr lang="ru-RU" i="1"/>
+                        <a:rPr lang="ru-RU" i="1">
+                          <a:latin typeface="Cambria Math" panose="02040503050406030204" pitchFamily="18" charset="0"/>
+                        </a:rPr>
                         <m:t>=</m:t>
                       </m:r>
                       <m:r>
-                        <a:rPr lang="ru-RU" i="1"/>
+                        <a:rPr lang="ru-RU" i="1">
+                          <a:latin typeface="Cambria Math" panose="02040503050406030204" pitchFamily="18" charset="0"/>
+                        </a:rPr>
                         <m:t>𝑙𝑜𝑔</m:t>
                       </m:r>
                       <m:d>
@@ -6459,125 +6629,169 @@
                           <m:begChr m:val="{"/>
                           <m:endChr m:val="}"/>
                           <m:ctrlPr>
-                            <a:rPr lang="ru-RU" i="1"/>
+                            <a:rPr lang="ru-RU" i="1">
+                              <a:latin typeface="Cambria Math" panose="02040503050406030204" pitchFamily="18" charset="0"/>
+                            </a:rPr>
                           </m:ctrlPr>
                         </m:dPr>
                         <m:e>
                           <m:f>
                             <m:fPr>
                               <m:ctrlPr>
-                                <a:rPr lang="ru-RU" i="1"/>
+                                <a:rPr lang="ru-RU" i="1">
+                                  <a:latin typeface="Cambria Math" panose="02040503050406030204" pitchFamily="18" charset="0"/>
+                                </a:rPr>
                               </m:ctrlPr>
                             </m:fPr>
                             <m:num>
                               <m:r>
-                                <a:rPr lang="ru-RU" i="1"/>
+                                <a:rPr lang="ru-RU" i="1">
+                                  <a:latin typeface="Cambria Math" panose="02040503050406030204" pitchFamily="18" charset="0"/>
+                                </a:rPr>
                                 <m:t>𝑃</m:t>
                               </m:r>
                               <m:r>
-                                <a:rPr lang="ru-RU" i="1"/>
+                                <a:rPr lang="ru-RU" i="1">
+                                  <a:latin typeface="Cambria Math" panose="02040503050406030204" pitchFamily="18" charset="0"/>
+                                </a:rPr>
                                 <m:t>(</m:t>
                               </m:r>
                               <m:sSub>
                                 <m:sSubPr>
                                   <m:ctrlPr>
-                                    <a:rPr lang="ru-RU" i="1"/>
+                                    <a:rPr lang="ru-RU" i="1">
+                                      <a:latin typeface="Cambria Math" panose="02040503050406030204" pitchFamily="18" charset="0"/>
+                                    </a:rPr>
                                   </m:ctrlPr>
                                 </m:sSubPr>
                                 <m:e>
                                   <m:r>
-                                    <a:rPr lang="ru-RU" i="1"/>
+                                    <a:rPr lang="ru-RU" i="1">
+                                      <a:latin typeface="Cambria Math" panose="02040503050406030204" pitchFamily="18" charset="0"/>
+                                    </a:rPr>
                                     <m:t>𝑐</m:t>
                                   </m:r>
                                 </m:e>
                                 <m:sub>
                                   <m:r>
-                                    <a:rPr lang="ru-RU" i="1"/>
+                                    <a:rPr lang="ru-RU" i="1">
+                                      <a:latin typeface="Cambria Math" panose="02040503050406030204" pitchFamily="18" charset="0"/>
+                                    </a:rPr>
                                     <m:t>𝑖</m:t>
                                   </m:r>
                                 </m:sub>
                               </m:sSub>
                               <m:r>
-                                <a:rPr lang="ru-RU" i="1"/>
+                                <a:rPr lang="ru-RU" i="1">
+                                  <a:latin typeface="Cambria Math" panose="02040503050406030204" pitchFamily="18" charset="0"/>
+                                </a:rPr>
                                 <m:t>=1|</m:t>
                               </m:r>
                               <m:sSub>
                                 <m:sSubPr>
                                   <m:ctrlPr>
-                                    <a:rPr lang="ru-RU" i="1"/>
+                                    <a:rPr lang="ru-RU" i="1">
+                                      <a:latin typeface="Cambria Math" panose="02040503050406030204" pitchFamily="18" charset="0"/>
+                                    </a:rPr>
                                   </m:ctrlPr>
                                 </m:sSubPr>
                                 <m:e>
                                   <m:r>
-                                    <a:rPr lang="ru-RU" i="1"/>
+                                    <a:rPr lang="ru-RU" i="1">
+                                      <a:latin typeface="Cambria Math" panose="02040503050406030204" pitchFamily="18" charset="0"/>
+                                    </a:rPr>
                                     <m:t>𝑟</m:t>
                                   </m:r>
                                 </m:e>
                                 <m:sub>
                                   <m:r>
-                                    <a:rPr lang="ru-RU" i="1"/>
+                                    <a:rPr lang="ru-RU" i="1">
+                                      <a:latin typeface="Cambria Math" panose="02040503050406030204" pitchFamily="18" charset="0"/>
+                                    </a:rPr>
                                     <m:t>𝑖</m:t>
                                   </m:r>
                                 </m:sub>
                               </m:sSub>
                               <m:r>
-                                <a:rPr lang="ru-RU" i="1"/>
+                                <a:rPr lang="ru-RU" i="1">
+                                  <a:latin typeface="Cambria Math" panose="02040503050406030204" pitchFamily="18" charset="0"/>
+                                </a:rPr>
                                 <m:t>)</m:t>
                               </m:r>
                             </m:num>
                             <m:den>
                               <m:r>
-                                <a:rPr lang="ru-RU" i="1"/>
+                                <a:rPr lang="ru-RU" i="1">
+                                  <a:latin typeface="Cambria Math" panose="02040503050406030204" pitchFamily="18" charset="0"/>
+                                </a:rPr>
                                 <m:t>𝑃</m:t>
                               </m:r>
                               <m:r>
-                                <a:rPr lang="ru-RU" i="1"/>
+                                <a:rPr lang="ru-RU" i="1">
+                                  <a:latin typeface="Cambria Math" panose="02040503050406030204" pitchFamily="18" charset="0"/>
+                                </a:rPr>
                                 <m:t>(</m:t>
                               </m:r>
                               <m:sSub>
                                 <m:sSubPr>
                                   <m:ctrlPr>
-                                    <a:rPr lang="ru-RU" i="1"/>
+                                    <a:rPr lang="ru-RU" i="1">
+                                      <a:latin typeface="Cambria Math" panose="02040503050406030204" pitchFamily="18" charset="0"/>
+                                    </a:rPr>
                                   </m:ctrlPr>
                                 </m:sSubPr>
                                 <m:e>
                                   <m:r>
-                                    <a:rPr lang="ru-RU" i="1"/>
+                                    <a:rPr lang="ru-RU" i="1">
+                                      <a:latin typeface="Cambria Math" panose="02040503050406030204" pitchFamily="18" charset="0"/>
+                                    </a:rPr>
                                     <m:t>𝑐</m:t>
                                   </m:r>
                                 </m:e>
                                 <m:sub>
                                   <m:r>
-                                    <a:rPr lang="ru-RU" i="1"/>
+                                    <a:rPr lang="ru-RU" i="1">
+                                      <a:latin typeface="Cambria Math" panose="02040503050406030204" pitchFamily="18" charset="0"/>
+                                    </a:rPr>
                                     <m:t>𝑖</m:t>
                                   </m:r>
                                 </m:sub>
                               </m:sSub>
                               <m:r>
-                                <a:rPr lang="ru-RU" i="1"/>
+                                <a:rPr lang="ru-RU" i="1">
+                                  <a:latin typeface="Cambria Math" panose="02040503050406030204" pitchFamily="18" charset="0"/>
+                                </a:rPr>
                                 <m:t>=0|</m:t>
                               </m:r>
                               <m:sSub>
                                 <m:sSubPr>
                                   <m:ctrlPr>
-                                    <a:rPr lang="ru-RU" i="1"/>
+                                    <a:rPr lang="ru-RU" i="1">
+                                      <a:latin typeface="Cambria Math" panose="02040503050406030204" pitchFamily="18" charset="0"/>
+                                    </a:rPr>
                                   </m:ctrlPr>
                                 </m:sSubPr>
                                 <m:e>
                                   <m:r>
-                                    <a:rPr lang="ru-RU" i="1"/>
+                                    <a:rPr lang="ru-RU" i="1">
+                                      <a:latin typeface="Cambria Math" panose="02040503050406030204" pitchFamily="18" charset="0"/>
+                                    </a:rPr>
                                     <m:t>𝑟</m:t>
                                   </m:r>
                                 </m:e>
                                 <m:sub>
                                   <m:r>
-                                    <a:rPr lang="ru-RU" i="1"/>
+                                    <a:rPr lang="ru-RU" i="1">
+                                      <a:latin typeface="Cambria Math" panose="02040503050406030204" pitchFamily="18" charset="0"/>
+                                    </a:rPr>
                                     <m:t>𝑖</m:t>
                                   </m:r>
                                 </m:sub>
                               </m:sSub>
                               <m:r>
-                                <a:rPr lang="ru-RU" i="1"/>
+                                <a:rPr lang="ru-RU" i="1">
+                                  <a:latin typeface="Cambria Math" panose="02040503050406030204" pitchFamily="18" charset="0"/>
+                                </a:rPr>
                                 <m:t>)</m:t>
                               </m:r>
                             </m:den>
@@ -6585,11 +6799,15 @@
                         </m:e>
                       </m:d>
                       <m:r>
-                        <a:rPr lang="ru-RU" i="1"/>
+                        <a:rPr lang="ru-RU" i="1">
+                          <a:latin typeface="Cambria Math" panose="02040503050406030204" pitchFamily="18" charset="0"/>
+                        </a:rPr>
                         <m:t>=</m:t>
                       </m:r>
                       <m:r>
-                        <a:rPr lang="ru-RU" i="1"/>
+                        <a:rPr lang="ru-RU" i="1">
+                          <a:latin typeface="Cambria Math" panose="02040503050406030204" pitchFamily="18" charset="0"/>
+                        </a:rPr>
                         <m:t>𝑙𝑜𝑔</m:t>
                       </m:r>
                       <m:d>
@@ -6597,125 +6815,169 @@
                           <m:begChr m:val="{"/>
                           <m:endChr m:val="}"/>
                           <m:ctrlPr>
-                            <a:rPr lang="ru-RU" i="1"/>
+                            <a:rPr lang="ru-RU" i="1">
+                              <a:latin typeface="Cambria Math" panose="02040503050406030204" pitchFamily="18" charset="0"/>
+                            </a:rPr>
                           </m:ctrlPr>
                         </m:dPr>
                         <m:e>
                           <m:f>
                             <m:fPr>
                               <m:ctrlPr>
-                                <a:rPr lang="ru-RU" i="1"/>
+                                <a:rPr lang="ru-RU" i="1">
+                                  <a:latin typeface="Cambria Math" panose="02040503050406030204" pitchFamily="18" charset="0"/>
+                                </a:rPr>
                               </m:ctrlPr>
                             </m:fPr>
                             <m:num>
                               <m:r>
-                                <a:rPr lang="ru-RU" i="1"/>
+                                <a:rPr lang="ru-RU" i="1">
+                                  <a:latin typeface="Cambria Math" panose="02040503050406030204" pitchFamily="18" charset="0"/>
+                                </a:rPr>
                                 <m:t>𝑃</m:t>
                               </m:r>
                               <m:r>
-                                <a:rPr lang="ru-RU" i="1"/>
+                                <a:rPr lang="ru-RU" i="1">
+                                  <a:latin typeface="Cambria Math" panose="02040503050406030204" pitchFamily="18" charset="0"/>
+                                </a:rPr>
                                 <m:t>(</m:t>
                               </m:r>
                               <m:sSub>
                                 <m:sSubPr>
                                   <m:ctrlPr>
-                                    <a:rPr lang="ru-RU" i="1"/>
+                                    <a:rPr lang="ru-RU" i="1">
+                                      <a:latin typeface="Cambria Math" panose="02040503050406030204" pitchFamily="18" charset="0"/>
+                                    </a:rPr>
                                   </m:ctrlPr>
                                 </m:sSubPr>
                                 <m:e>
                                   <m:sSub>
                                     <m:sSubPr>
                                       <m:ctrlPr>
-                                        <a:rPr lang="ru-RU" i="1"/>
+                                        <a:rPr lang="ru-RU" i="1">
+                                          <a:latin typeface="Cambria Math" panose="02040503050406030204" pitchFamily="18" charset="0"/>
+                                        </a:rPr>
                                       </m:ctrlPr>
                                     </m:sSubPr>
                                     <m:e>
                                       <m:r>
-                                        <a:rPr lang="ru-RU" i="1"/>
+                                        <a:rPr lang="ru-RU" i="1">
+                                          <a:latin typeface="Cambria Math" panose="02040503050406030204" pitchFamily="18" charset="0"/>
+                                        </a:rPr>
                                         <m:t>𝑟</m:t>
                                       </m:r>
                                     </m:e>
                                     <m:sub>
                                       <m:r>
-                                        <a:rPr lang="ru-RU" i="1"/>
+                                        <a:rPr lang="ru-RU" i="1">
+                                          <a:latin typeface="Cambria Math" panose="02040503050406030204" pitchFamily="18" charset="0"/>
+                                        </a:rPr>
                                         <m:t>𝑖</m:t>
                                       </m:r>
                                     </m:sub>
                                   </m:sSub>
                                   <m:r>
-                                    <a:rPr lang="ru-RU" i="1"/>
+                                    <a:rPr lang="ru-RU" i="1">
+                                      <a:latin typeface="Cambria Math" panose="02040503050406030204" pitchFamily="18" charset="0"/>
+                                    </a:rPr>
                                     <m:t>|</m:t>
                                   </m:r>
                                   <m:r>
-                                    <a:rPr lang="ru-RU" i="1"/>
+                                    <a:rPr lang="ru-RU" i="1">
+                                      <a:latin typeface="Cambria Math" panose="02040503050406030204" pitchFamily="18" charset="0"/>
+                                    </a:rPr>
                                     <m:t>𝑐</m:t>
                                   </m:r>
                                 </m:e>
                                 <m:sub>
                                   <m:r>
-                                    <a:rPr lang="ru-RU" i="1"/>
+                                    <a:rPr lang="ru-RU" i="1">
+                                      <a:latin typeface="Cambria Math" panose="02040503050406030204" pitchFamily="18" charset="0"/>
+                                    </a:rPr>
                                     <m:t>𝑖</m:t>
                                   </m:r>
                                 </m:sub>
                               </m:sSub>
                               <m:r>
-                                <a:rPr lang="ru-RU" i="1"/>
+                                <a:rPr lang="ru-RU" i="1">
+                                  <a:latin typeface="Cambria Math" panose="02040503050406030204" pitchFamily="18" charset="0"/>
+                                </a:rPr>
                                 <m:t>=1)</m:t>
                               </m:r>
                             </m:num>
                             <m:den>
                               <m:r>
-                                <a:rPr lang="ru-RU" i="1"/>
+                                <a:rPr lang="ru-RU" i="1">
+                                  <a:latin typeface="Cambria Math" panose="02040503050406030204" pitchFamily="18" charset="0"/>
+                                </a:rPr>
                                 <m:t>𝑃</m:t>
                               </m:r>
                               <m:r>
-                                <a:rPr lang="ru-RU" i="1"/>
+                                <a:rPr lang="ru-RU" i="1">
+                                  <a:latin typeface="Cambria Math" panose="02040503050406030204" pitchFamily="18" charset="0"/>
+                                </a:rPr>
                                 <m:t>(</m:t>
                               </m:r>
                               <m:sSub>
                                 <m:sSubPr>
                                   <m:ctrlPr>
-                                    <a:rPr lang="ru-RU" i="1"/>
+                                    <a:rPr lang="ru-RU" i="1">
+                                      <a:latin typeface="Cambria Math" panose="02040503050406030204" pitchFamily="18" charset="0"/>
+                                    </a:rPr>
                                   </m:ctrlPr>
                                 </m:sSubPr>
                                 <m:e>
                                   <m:sSub>
                                     <m:sSubPr>
                                       <m:ctrlPr>
-                                        <a:rPr lang="ru-RU" i="1"/>
+                                        <a:rPr lang="ru-RU" i="1">
+                                          <a:latin typeface="Cambria Math" panose="02040503050406030204" pitchFamily="18" charset="0"/>
+                                        </a:rPr>
                                       </m:ctrlPr>
                                     </m:sSubPr>
                                     <m:e>
                                       <m:r>
-                                        <a:rPr lang="ru-RU" i="1"/>
+                                        <a:rPr lang="ru-RU" i="1">
+                                          <a:latin typeface="Cambria Math" panose="02040503050406030204" pitchFamily="18" charset="0"/>
+                                        </a:rPr>
                                         <m:t>𝑟</m:t>
                                       </m:r>
                                     </m:e>
                                     <m:sub>
                                       <m:r>
-                                        <a:rPr lang="ru-RU" i="1"/>
+                                        <a:rPr lang="ru-RU" i="1">
+                                          <a:latin typeface="Cambria Math" panose="02040503050406030204" pitchFamily="18" charset="0"/>
+                                        </a:rPr>
                                         <m:t>𝑖</m:t>
                                       </m:r>
                                     </m:sub>
                                   </m:sSub>
                                   <m:r>
-                                    <a:rPr lang="ru-RU" i="1"/>
+                                    <a:rPr lang="ru-RU" i="1">
+                                      <a:latin typeface="Cambria Math" panose="02040503050406030204" pitchFamily="18" charset="0"/>
+                                    </a:rPr>
                                     <m:t>|</m:t>
                                   </m:r>
                                   <m:r>
-                                    <a:rPr lang="ru-RU" i="1"/>
+                                    <a:rPr lang="ru-RU" i="1">
+                                      <a:latin typeface="Cambria Math" panose="02040503050406030204" pitchFamily="18" charset="0"/>
+                                    </a:rPr>
                                     <m:t>𝑐</m:t>
                                   </m:r>
                                 </m:e>
                                 <m:sub>
                                   <m:r>
-                                    <a:rPr lang="ru-RU" i="1"/>
+                                    <a:rPr lang="ru-RU" i="1">
+                                      <a:latin typeface="Cambria Math" panose="02040503050406030204" pitchFamily="18" charset="0"/>
+                                    </a:rPr>
                                     <m:t>𝑖</m:t>
                                   </m:r>
                                 </m:sub>
                               </m:sSub>
                               <m:r>
-                                <a:rPr lang="ru-RU" i="1"/>
+                                <a:rPr lang="ru-RU" i="1">
+                                  <a:latin typeface="Cambria Math" panose="02040503050406030204" pitchFamily="18" charset="0"/>
+                                </a:rPr>
                                 <m:t>=0)</m:t>
                               </m:r>
                             </m:den>
@@ -6748,7 +7010,9 @@
                 <a14:m>
                   <m:oMath xmlns:m="http://schemas.openxmlformats.org/officeDocument/2006/math">
                     <m:r>
-                      <a:rPr lang="en-US" sz="2000" i="1"/>
+                      <a:rPr lang="en-US" sz="2000" i="1">
+                        <a:latin typeface="Cambria Math" panose="02040503050406030204" pitchFamily="18" charset="0"/>
+                      </a:rPr>
                       <m:t>𝑙𝑜𝑔</m:t>
                     </m:r>
                     <m:d>
@@ -6756,7 +7020,9 @@
                         <m:begChr m:val="{"/>
                         <m:endChr m:val="}"/>
                         <m:ctrlPr>
-                          <a:rPr lang="ru-RU" sz="2000" i="1"/>
+                          <a:rPr lang="ru-RU" sz="2000" i="1">
+                            <a:latin typeface="Cambria Math" panose="02040503050406030204" pitchFamily="18" charset="0"/>
+                          </a:rPr>
                         </m:ctrlPr>
                       </m:dPr>
                       <m:e>
@@ -6766,12 +7032,16 @@
                             <m:limLoc m:val="undOvr"/>
                             <m:supHide m:val="on"/>
                             <m:ctrlPr>
-                              <a:rPr lang="ru-RU" sz="2000" i="1"/>
+                              <a:rPr lang="ru-RU" sz="2000" i="1">
+                                <a:latin typeface="Cambria Math" panose="02040503050406030204" pitchFamily="18" charset="0"/>
+                              </a:rPr>
                             </m:ctrlPr>
                           </m:naryPr>
                           <m:sub>
                             <m:r>
-                              <a:rPr lang="en-US" sz="2000" i="1"/>
+                              <a:rPr lang="en-US" sz="2000" i="1">
+                                <a:latin typeface="Cambria Math" panose="02040503050406030204" pitchFamily="18" charset="0"/>
+                              </a:rPr>
                               <m:t>𝑖</m:t>
                             </m:r>
                           </m:sub>
@@ -6780,18 +7050,24 @@
                             <m:sSub>
                               <m:sSubPr>
                                 <m:ctrlPr>
-                                  <a:rPr lang="ru-RU" sz="2000" i="1"/>
+                                  <a:rPr lang="ru-RU" sz="2000" i="1">
+                                    <a:latin typeface="Cambria Math" panose="02040503050406030204" pitchFamily="18" charset="0"/>
+                                  </a:rPr>
                                 </m:ctrlPr>
                               </m:sSubPr>
                               <m:e>
                                 <m:r>
-                                  <a:rPr lang="en-US" sz="2000" i="1"/>
+                                  <a:rPr lang="en-US" sz="2000" i="1">
+                                    <a:latin typeface="Cambria Math" panose="02040503050406030204" pitchFamily="18" charset="0"/>
+                                  </a:rPr>
                                   <m:t>𝑎</m:t>
                                 </m:r>
                               </m:e>
                               <m:sub>
                                 <m:r>
-                                  <a:rPr lang="en-US" sz="2000" i="1"/>
+                                  <a:rPr lang="en-US" sz="2000" i="1">
+                                    <a:latin typeface="Cambria Math" panose="02040503050406030204" pitchFamily="18" charset="0"/>
+                                  </a:rPr>
                                   <m:t>𝑖</m:t>
                                 </m:r>
                               </m:sub>
@@ -6801,46 +7077,64 @@
                       </m:e>
                     </m:d>
                     <m:r>
-                      <a:rPr lang="ru-RU" sz="2000" i="1"/>
+                      <a:rPr lang="ru-RU" sz="2000" i="1">
+                        <a:latin typeface="Cambria Math" panose="02040503050406030204" pitchFamily="18" charset="0"/>
+                      </a:rPr>
                       <m:t>≈</m:t>
                     </m:r>
                     <m:r>
-                      <a:rPr lang="en-US" sz="2000" i="1"/>
+                      <a:rPr lang="en-US" sz="2000" i="1">
+                        <a:latin typeface="Cambria Math" panose="02040503050406030204" pitchFamily="18" charset="0"/>
+                      </a:rPr>
                       <m:t>𝑚𝑎𝑥</m:t>
                     </m:r>
                     <m:r>
-                      <a:rPr lang="ru-RU" sz="2000" i="1"/>
+                      <a:rPr lang="ru-RU" sz="2000" i="1">
+                        <a:latin typeface="Cambria Math" panose="02040503050406030204" pitchFamily="18" charset="0"/>
+                      </a:rPr>
                       <m:t>(</m:t>
                     </m:r>
                     <m:r>
-                      <a:rPr lang="en-US" sz="2000" i="1"/>
+                      <a:rPr lang="en-US" sz="2000" i="1">
+                        <a:latin typeface="Cambria Math" panose="02040503050406030204" pitchFamily="18" charset="0"/>
+                      </a:rPr>
                       <m:t>𝑙𝑜𝑔</m:t>
                     </m:r>
                     <m:r>
-                      <a:rPr lang="ru-RU" sz="2000" i="1"/>
+                      <a:rPr lang="ru-RU" sz="2000" i="1">
+                        <a:latin typeface="Cambria Math" panose="02040503050406030204" pitchFamily="18" charset="0"/>
+                      </a:rPr>
                       <m:t>(</m:t>
                     </m:r>
                     <m:sSub>
                       <m:sSubPr>
                         <m:ctrlPr>
-                          <a:rPr lang="ru-RU" sz="2000" i="1"/>
+                          <a:rPr lang="ru-RU" sz="2000" i="1">
+                            <a:latin typeface="Cambria Math" panose="02040503050406030204" pitchFamily="18" charset="0"/>
+                          </a:rPr>
                         </m:ctrlPr>
                       </m:sSubPr>
                       <m:e>
                         <m:r>
-                          <a:rPr lang="en-US" sz="2000" i="1"/>
+                          <a:rPr lang="en-US" sz="2000" i="1">
+                            <a:latin typeface="Cambria Math" panose="02040503050406030204" pitchFamily="18" charset="0"/>
+                          </a:rPr>
                           <m:t>𝑎</m:t>
                         </m:r>
                       </m:e>
                       <m:sub>
                         <m:r>
-                          <a:rPr lang="en-US" sz="2000" i="1"/>
+                          <a:rPr lang="en-US" sz="2000" i="1">
+                            <a:latin typeface="Cambria Math" panose="02040503050406030204" pitchFamily="18" charset="0"/>
+                          </a:rPr>
                           <m:t>𝑖</m:t>
                         </m:r>
                       </m:sub>
                     </m:sSub>
                     <m:r>
-                      <a:rPr lang="ru-RU" sz="2000" i="1"/>
+                      <a:rPr lang="ru-RU" sz="2000" i="1">
+                        <a:latin typeface="Cambria Math" panose="02040503050406030204" pitchFamily="18" charset="0"/>
+                      </a:rPr>
                       <m:t>))</m:t>
                     </m:r>
                   </m:oMath>
@@ -6885,31 +7179,41 @@
                     </m:oMathParaPr>
                     <m:oMath xmlns:m="http://schemas.openxmlformats.org/officeDocument/2006/math">
                       <m:r>
-                        <a:rPr lang="ru-RU" i="1"/>
+                        <a:rPr lang="ru-RU" i="1">
+                          <a:latin typeface="Cambria Math" panose="02040503050406030204" pitchFamily="18" charset="0"/>
+                        </a:rPr>
                         <m:t>𝐿𝐿𝑅</m:t>
                       </m:r>
                       <m:d>
                         <m:dPr>
                           <m:ctrlPr>
-                            <a:rPr lang="ru-RU" i="1"/>
+                            <a:rPr lang="ru-RU" i="1">
+                              <a:latin typeface="Cambria Math" panose="02040503050406030204" pitchFamily="18" charset="0"/>
+                            </a:rPr>
                           </m:ctrlPr>
                         </m:dPr>
                         <m:e>
                           <m:sSub>
                             <m:sSubPr>
                               <m:ctrlPr>
-                                <a:rPr lang="ru-RU" i="1"/>
+                                <a:rPr lang="ru-RU" i="1">
+                                  <a:latin typeface="Cambria Math" panose="02040503050406030204" pitchFamily="18" charset="0"/>
+                                </a:rPr>
                               </m:ctrlPr>
                             </m:sSubPr>
                             <m:e>
                               <m:r>
-                                <a:rPr lang="ru-RU" i="1"/>
+                                <a:rPr lang="ru-RU" i="1">
+                                  <a:latin typeface="Cambria Math" panose="02040503050406030204" pitchFamily="18" charset="0"/>
+                                </a:rPr>
                                 <m:t>𝑐</m:t>
                               </m:r>
                             </m:e>
                             <m:sub>
                               <m:r>
-                                <a:rPr lang="ru-RU" i="1"/>
+                                <a:rPr lang="ru-RU" i="1">
+                                  <a:latin typeface="Cambria Math" panose="02040503050406030204" pitchFamily="18" charset="0"/>
+                                </a:rPr>
                                 <m:t>𝑖</m:t>
                               </m:r>
                             </m:sub>
@@ -6917,18 +7221,24 @@
                         </m:e>
                       </m:d>
                       <m:r>
-                        <a:rPr lang="ru-RU" i="1"/>
+                        <a:rPr lang="ru-RU" i="1">
+                          <a:latin typeface="Cambria Math" panose="02040503050406030204" pitchFamily="18" charset="0"/>
+                        </a:rPr>
                         <m:t>=</m:t>
                       </m:r>
                       <m:sSub>
                         <m:sSubPr>
                           <m:ctrlPr>
-                            <a:rPr lang="ru-RU" i="1"/>
+                            <a:rPr lang="ru-RU" i="1">
+                              <a:latin typeface="Cambria Math" panose="02040503050406030204" pitchFamily="18" charset="0"/>
+                            </a:rPr>
                           </m:ctrlPr>
                         </m:sSubPr>
                         <m:e>
                           <m:r>
-                            <a:rPr lang="ru-RU" i="1"/>
+                            <a:rPr lang="ru-RU" i="1">
+                              <a:latin typeface="Cambria Math" panose="02040503050406030204" pitchFamily="18" charset="0"/>
+                            </a:rPr>
                             <m:t>𝑚𝑎𝑥</m:t>
                           </m:r>
                         </m:e>
@@ -6936,18 +7246,24 @@
                           <m:sSup>
                             <m:sSupPr>
                               <m:ctrlPr>
-                                <a:rPr lang="ru-RU" i="1"/>
+                                <a:rPr lang="ru-RU" i="1">
+                                  <a:latin typeface="Cambria Math" panose="02040503050406030204" pitchFamily="18" charset="0"/>
+                                </a:rPr>
                               </m:ctrlPr>
                             </m:sSupPr>
                             <m:e>
                               <m:r>
-                                <a:rPr lang="ru-RU" i="1"/>
+                                <a:rPr lang="ru-RU" i="1">
+                                  <a:latin typeface="Cambria Math" panose="02040503050406030204" pitchFamily="18" charset="0"/>
+                                </a:rPr>
                                 <m:t>𝑋</m:t>
                               </m:r>
                             </m:e>
                             <m:sup>
                               <m:r>
-                                <a:rPr lang="ru-RU" i="1"/>
+                                <a:rPr lang="ru-RU" i="1">
+                                  <a:latin typeface="Cambria Math" panose="02040503050406030204" pitchFamily="18" charset="0"/>
+                                </a:rPr>
                                 <m:t>(1)</m:t>
                               </m:r>
                             </m:sup>
@@ -6959,7 +7275,9 @@
                           <m:begChr m:val="{"/>
                           <m:endChr m:val="}"/>
                           <m:ctrlPr>
-                            <a:rPr lang="ru-RU" i="1"/>
+                            <a:rPr lang="ru-RU" i="1">
+                              <a:latin typeface="Cambria Math" panose="02040503050406030204" pitchFamily="18" charset="0"/>
+                            </a:rPr>
                           </m:ctrlPr>
                         </m:dPr>
                         <m:e>
@@ -6967,78 +7285,106 @@
                             <m:rPr>
                               <m:sty m:val="p"/>
                             </m:rPr>
-                            <a:rPr lang="ru-RU"/>
+                            <a:rPr lang="ru-RU">
+                              <a:latin typeface="Cambria Math" panose="02040503050406030204" pitchFamily="18" charset="0"/>
+                            </a:rPr>
                             <m:t>log</m:t>
                           </m:r>
                           <m:r>
-                            <a:rPr lang="ru-RU" i="1"/>
+                            <a:rPr lang="ru-RU" i="1">
+                              <a:latin typeface="Cambria Math" panose="02040503050406030204" pitchFamily="18" charset="0"/>
+                            </a:rPr>
                             <m:t>𝑃</m:t>
                           </m:r>
                           <m:r>
-                            <a:rPr lang="ru-RU" i="1"/>
+                            <a:rPr lang="ru-RU" i="1">
+                              <a:latin typeface="Cambria Math" panose="02040503050406030204" pitchFamily="18" charset="0"/>
+                            </a:rPr>
                             <m:t>(</m:t>
                           </m:r>
                           <m:sSub>
                             <m:sSubPr>
                               <m:ctrlPr>
-                                <a:rPr lang="ru-RU" i="1"/>
+                                <a:rPr lang="ru-RU" i="1">
+                                  <a:latin typeface="Cambria Math" panose="02040503050406030204" pitchFamily="18" charset="0"/>
+                                </a:rPr>
                               </m:ctrlPr>
                             </m:sSubPr>
                             <m:e>
                               <m:r>
-                                <a:rPr lang="ru-RU" i="1"/>
+                                <a:rPr lang="ru-RU" i="1">
+                                  <a:latin typeface="Cambria Math" panose="02040503050406030204" pitchFamily="18" charset="0"/>
+                                </a:rPr>
                                 <m:t>𝑟</m:t>
                               </m:r>
                             </m:e>
                             <m:sub>
                               <m:r>
-                                <a:rPr lang="ru-RU" i="1"/>
+                                <a:rPr lang="ru-RU" i="1">
+                                  <a:latin typeface="Cambria Math" panose="02040503050406030204" pitchFamily="18" charset="0"/>
+                                </a:rPr>
                                 <m:t>𝑖</m:t>
                               </m:r>
                             </m:sub>
                           </m:sSub>
                           <m:r>
-                            <a:rPr lang="ru-RU" i="1"/>
+                            <a:rPr lang="ru-RU" i="1">
+                              <a:latin typeface="Cambria Math" panose="02040503050406030204" pitchFamily="18" charset="0"/>
+                            </a:rPr>
                             <m:t>|</m:t>
                           </m:r>
                           <m:sSub>
                             <m:sSubPr>
                               <m:ctrlPr>
-                                <a:rPr lang="ru-RU" i="1"/>
+                                <a:rPr lang="ru-RU" i="1">
+                                  <a:latin typeface="Cambria Math" panose="02040503050406030204" pitchFamily="18" charset="0"/>
+                                </a:rPr>
                               </m:ctrlPr>
                             </m:sSubPr>
                             <m:e>
                               <m:r>
-                                <a:rPr lang="ru-RU" i="1"/>
+                                <a:rPr lang="ru-RU" i="1">
+                                  <a:latin typeface="Cambria Math" panose="02040503050406030204" pitchFamily="18" charset="0"/>
+                                </a:rPr>
                                 <m:t>𝑥</m:t>
                               </m:r>
                             </m:e>
                             <m:sub>
                               <m:r>
-                                <a:rPr lang="ru-RU" i="1"/>
+                                <a:rPr lang="ru-RU" i="1">
+                                  <a:latin typeface="Cambria Math" panose="02040503050406030204" pitchFamily="18" charset="0"/>
+                                </a:rPr>
                                 <m:t>𝑖</m:t>
                               </m:r>
                             </m:sub>
                           </m:sSub>
                           <m:r>
-                            <a:rPr lang="ru-RU" i="1"/>
+                            <a:rPr lang="ru-RU" i="1">
+                              <a:latin typeface="Cambria Math" panose="02040503050406030204" pitchFamily="18" charset="0"/>
+                            </a:rPr>
                             <m:t>)</m:t>
                           </m:r>
                         </m:e>
                       </m:d>
                       <m:r>
-                        <a:rPr lang="ru-RU" i="1"/>
+                        <a:rPr lang="ru-RU" i="1">
+                          <a:latin typeface="Cambria Math" panose="02040503050406030204" pitchFamily="18" charset="0"/>
+                        </a:rPr>
                         <m:t>− </m:t>
                       </m:r>
                       <m:sSub>
                         <m:sSubPr>
                           <m:ctrlPr>
-                            <a:rPr lang="ru-RU" i="1"/>
+                            <a:rPr lang="ru-RU" i="1">
+                              <a:latin typeface="Cambria Math" panose="02040503050406030204" pitchFamily="18" charset="0"/>
+                            </a:rPr>
                           </m:ctrlPr>
                         </m:sSubPr>
                         <m:e>
                           <m:r>
-                            <a:rPr lang="ru-RU" i="1"/>
+                            <a:rPr lang="ru-RU" i="1">
+                              <a:latin typeface="Cambria Math" panose="02040503050406030204" pitchFamily="18" charset="0"/>
+                            </a:rPr>
                             <m:t>𝑚𝑎𝑥</m:t>
                           </m:r>
                         </m:e>
@@ -7046,18 +7392,24 @@
                           <m:sSup>
                             <m:sSupPr>
                               <m:ctrlPr>
-                                <a:rPr lang="ru-RU" i="1"/>
+                                <a:rPr lang="ru-RU" i="1">
+                                  <a:latin typeface="Cambria Math" panose="02040503050406030204" pitchFamily="18" charset="0"/>
+                                </a:rPr>
                               </m:ctrlPr>
                             </m:sSupPr>
                             <m:e>
                               <m:r>
-                                <a:rPr lang="ru-RU" i="1"/>
+                                <a:rPr lang="ru-RU" i="1">
+                                  <a:latin typeface="Cambria Math" panose="02040503050406030204" pitchFamily="18" charset="0"/>
+                                </a:rPr>
                                 <m:t>𝑋</m:t>
                               </m:r>
                             </m:e>
                             <m:sup>
                               <m:r>
-                                <a:rPr lang="ru-RU" i="1"/>
+                                <a:rPr lang="ru-RU" i="1">
+                                  <a:latin typeface="Cambria Math" panose="02040503050406030204" pitchFamily="18" charset="0"/>
+                                </a:rPr>
                                 <m:t>(0)</m:t>
                               </m:r>
                             </m:sup>
@@ -7069,7 +7421,9 @@
                           <m:begChr m:val="{"/>
                           <m:endChr m:val="}"/>
                           <m:ctrlPr>
-                            <a:rPr lang="ru-RU" i="1"/>
+                            <a:rPr lang="ru-RU" i="1">
+                              <a:latin typeface="Cambria Math" panose="02040503050406030204" pitchFamily="18" charset="0"/>
+                            </a:rPr>
                           </m:ctrlPr>
                         </m:dPr>
                         <m:e>
@@ -7077,61 +7431,83 @@
                             <m:rPr>
                               <m:sty m:val="p"/>
                             </m:rPr>
-                            <a:rPr lang="ru-RU"/>
+                            <a:rPr lang="ru-RU">
+                              <a:latin typeface="Cambria Math" panose="02040503050406030204" pitchFamily="18" charset="0"/>
+                            </a:rPr>
                             <m:t>log</m:t>
                           </m:r>
                           <m:r>
-                            <a:rPr lang="ru-RU" i="1"/>
+                            <a:rPr lang="ru-RU" i="1">
+                              <a:latin typeface="Cambria Math" panose="02040503050406030204" pitchFamily="18" charset="0"/>
+                            </a:rPr>
                             <m:t>𝑃</m:t>
                           </m:r>
                           <m:r>
-                            <a:rPr lang="ru-RU" i="1"/>
+                            <a:rPr lang="ru-RU" i="1">
+                              <a:latin typeface="Cambria Math" panose="02040503050406030204" pitchFamily="18" charset="0"/>
+                            </a:rPr>
                             <m:t>(</m:t>
                           </m:r>
                           <m:sSub>
                             <m:sSubPr>
                               <m:ctrlPr>
-                                <a:rPr lang="ru-RU" i="1"/>
+                                <a:rPr lang="ru-RU" i="1">
+                                  <a:latin typeface="Cambria Math" panose="02040503050406030204" pitchFamily="18" charset="0"/>
+                                </a:rPr>
                               </m:ctrlPr>
                             </m:sSubPr>
                             <m:e>
                               <m:r>
-                                <a:rPr lang="ru-RU" i="1"/>
+                                <a:rPr lang="ru-RU" i="1">
+                                  <a:latin typeface="Cambria Math" panose="02040503050406030204" pitchFamily="18" charset="0"/>
+                                </a:rPr>
                                 <m:t>𝑟</m:t>
                               </m:r>
                             </m:e>
                             <m:sub>
                               <m:r>
-                                <a:rPr lang="ru-RU" i="1"/>
+                                <a:rPr lang="ru-RU" i="1">
+                                  <a:latin typeface="Cambria Math" panose="02040503050406030204" pitchFamily="18" charset="0"/>
+                                </a:rPr>
                                 <m:t>𝑖</m:t>
                               </m:r>
                             </m:sub>
                           </m:sSub>
                           <m:r>
-                            <a:rPr lang="ru-RU" i="1"/>
+                            <a:rPr lang="ru-RU" i="1">
+                              <a:latin typeface="Cambria Math" panose="02040503050406030204" pitchFamily="18" charset="0"/>
+                            </a:rPr>
                             <m:t>|</m:t>
                           </m:r>
                           <m:sSub>
                             <m:sSubPr>
                               <m:ctrlPr>
-                                <a:rPr lang="ru-RU" i="1"/>
+                                <a:rPr lang="ru-RU" i="1">
+                                  <a:latin typeface="Cambria Math" panose="02040503050406030204" pitchFamily="18" charset="0"/>
+                                </a:rPr>
                               </m:ctrlPr>
                             </m:sSubPr>
                             <m:e>
                               <m:r>
-                                <a:rPr lang="ru-RU" i="1"/>
+                                <a:rPr lang="ru-RU" i="1">
+                                  <a:latin typeface="Cambria Math" panose="02040503050406030204" pitchFamily="18" charset="0"/>
+                                </a:rPr>
                                 <m:t>𝑥</m:t>
                               </m:r>
                             </m:e>
                             <m:sub>
                               <m:r>
-                                <a:rPr lang="ru-RU" i="1"/>
+                                <a:rPr lang="ru-RU" i="1">
+                                  <a:latin typeface="Cambria Math" panose="02040503050406030204" pitchFamily="18" charset="0"/>
+                                </a:rPr>
                                 <m:t>𝑖</m:t>
                               </m:r>
                             </m:sub>
                           </m:sSub>
                           <m:r>
-                            <a:rPr lang="ru-RU" i="1"/>
+                            <a:rPr lang="ru-RU" i="1">
+                              <a:latin typeface="Cambria Math" panose="02040503050406030204" pitchFamily="18" charset="0"/>
+                            </a:rPr>
                             <m:t>)</m:t>
                           </m:r>
                         </m:e>
@@ -7169,13 +7545,13 @@
             </p:nvSpPr>
             <p:spPr>
               <a:xfrm>
-                <a:off x="538560" y="1240614"/>
-                <a:ext cx="7543801" cy="4930673"/>
+                <a:off x="822959" y="1802673"/>
+                <a:ext cx="7259402" cy="4368613"/>
               </a:xfrm>
               <a:blipFill rotWithShape="0">
                 <a:blip r:embed="rId2"/>
                 <a:stretch>
-                  <a:fillRect l="-2019" t="-1361"/>
+                  <a:fillRect l="-2099" t="-2095" r="-2015"/>
                 </a:stretch>
               </a:blipFill>
             </p:spPr>
@@ -7194,6 +7570,38 @@
           </p:sp>
         </mc:Fallback>
       </mc:AlternateContent>
+      <p:sp>
+        <p:nvSpPr>
+          <p:cNvPr id="3" name="Номер слайда 2"/>
+          <p:cNvSpPr>
+            <a:spLocks noGrp="1"/>
+          </p:cNvSpPr>
+          <p:nvPr>
+            <p:ph type="sldNum" sz="quarter" idx="12"/>
+          </p:nvPr>
+        </p:nvSpPr>
+        <p:spPr/>
+        <p:txBody>
+          <a:bodyPr/>
+          <a:lstStyle/>
+          <a:p>
+            <a:fld id="{0A6D1207-A211-430D-84A8-323056D46506}" type="slidenum">
+              <a:rPr lang="ru-RU" sz="1800" smtClean="0">
+                <a:solidFill>
+                  <a:schemeClr val="tx1"/>
+                </a:solidFill>
+              </a:rPr>
+              <a:pPr/>
+              <a:t>4</a:t>
+            </a:fld>
+            <a:endParaRPr lang="ru-RU" sz="1800" dirty="0">
+              <a:solidFill>
+                <a:schemeClr val="tx1"/>
+              </a:solidFill>
+            </a:endParaRPr>
+          </a:p>
+        </p:txBody>
+      </p:sp>
     </p:spTree>
     <p:extLst>
       <p:ext uri="{BB962C8B-B14F-4D97-AF65-F5344CB8AC3E}">
@@ -7243,7 +7651,7 @@
         </p:nvSpPr>
         <p:spPr>
           <a:xfrm>
-            <a:off x="818197" y="418454"/>
+            <a:off x="818197" y="952445"/>
             <a:ext cx="7543800" cy="740222"/>
           </a:xfrm>
         </p:spPr>
@@ -7259,15 +7667,7 @@
                   <a:schemeClr val="tx1"/>
                 </a:solidFill>
               </a:rPr>
-              <a:t>Модель </a:t>
-            </a:r>
-            <a:r>
-              <a:rPr lang="ru-RU" sz="4400" dirty="0" smtClean="0">
-                <a:solidFill>
-                  <a:schemeClr val="tx1"/>
-                </a:solidFill>
-              </a:rPr>
-              <a:t>Кларка </a:t>
+              <a:t>Модель Кларка </a:t>
             </a:r>
             <a:endParaRPr lang="ru-RU" sz="4400" dirty="0">
               <a:solidFill>
@@ -7302,7 +7702,7 @@
         </p:blipFill>
         <p:spPr bwMode="auto">
           <a:xfrm>
-            <a:off x="2512292" y="1669643"/>
+            <a:off x="2407789" y="1820296"/>
             <a:ext cx="3676881" cy="1991272"/>
           </a:xfrm>
           <a:prstGeom prst="rect">
@@ -7362,7 +7762,7 @@
         </p:blipFill>
         <p:spPr>
           <a:xfrm>
-            <a:off x="862862" y="4864744"/>
+            <a:off x="818197" y="5086320"/>
             <a:ext cx="5690587" cy="433765"/>
           </a:xfrm>
           <a:prstGeom prst="rect">
@@ -7386,7 +7786,7 @@
         </p:blipFill>
         <p:spPr>
           <a:xfrm>
-            <a:off x="818197" y="5460417"/>
+            <a:off x="818197" y="5756509"/>
             <a:ext cx="4402618" cy="300178"/>
           </a:xfrm>
           <a:prstGeom prst="rect">
@@ -7394,8 +7794,8 @@
           </a:prstGeom>
         </p:spPr>
       </p:pic>
-      <mc:AlternateContent xmlns:mc="http://schemas.openxmlformats.org/markup-compatibility/2006" xmlns:a14="http://schemas.microsoft.com/office/drawing/2010/main">
-        <mc:Choice Requires="a14">
+      <mc:AlternateContent xmlns:mc="http://schemas.openxmlformats.org/markup-compatibility/2006">
+        <mc:Choice xmlns:a14="http://schemas.microsoft.com/office/drawing/2010/main" Requires="a14">
           <p:sp>
             <p:nvSpPr>
               <p:cNvPr id="5" name="Прямоугольник 4"/>
@@ -7404,7 +7804,7 @@
             </p:nvSpPr>
             <p:spPr>
               <a:xfrm>
-                <a:off x="818197" y="3939197"/>
+                <a:off x="818197" y="4195961"/>
                 <a:ext cx="7591166" cy="910699"/>
               </a:xfrm>
               <a:prstGeom prst="rect">
@@ -8004,7 +8404,7 @@
             </p:txBody>
           </p:sp>
         </mc:Choice>
-        <mc:Fallback xmlns="">
+        <mc:Fallback>
           <p:sp>
             <p:nvSpPr>
               <p:cNvPr id="5" name="Прямоугольник 4"/>
@@ -8015,7 +8415,7 @@
             </p:nvSpPr>
             <p:spPr>
               <a:xfrm>
-                <a:off x="818197" y="3939197"/>
+                <a:off x="818197" y="4195961"/>
                 <a:ext cx="7591166" cy="910699"/>
               </a:xfrm>
               <a:prstGeom prst="rect">
@@ -8108,15 +8508,7 @@
                   <a:schemeClr val="tx1"/>
                 </a:solidFill>
               </a:rPr>
-              <a:t>Модель </a:t>
-            </a:r>
-            <a:r>
-              <a:rPr lang="ru-RU" sz="4400" dirty="0" smtClean="0">
-                <a:solidFill>
-                  <a:schemeClr val="tx1"/>
-                </a:solidFill>
-              </a:rPr>
-              <a:t>Кларка</a:t>
+              <a:t>Модель Кларка</a:t>
             </a:r>
             <a:endParaRPr lang="ru-RU" sz="4400" dirty="0">
               <a:solidFill>
@@ -8172,7 +8564,7 @@
         </p:blipFill>
         <p:spPr>
           <a:xfrm>
-            <a:off x="2079262" y="1799718"/>
+            <a:off x="2079262" y="1921639"/>
             <a:ext cx="5019675" cy="4019550"/>
           </a:xfrm>
           <a:prstGeom prst="rect">
@@ -8336,7 +8728,7 @@
         </p:nvSpPr>
         <p:spPr>
           <a:xfrm>
-            <a:off x="822959" y="374400"/>
+            <a:off x="865562" y="853371"/>
             <a:ext cx="7543801" cy="860155"/>
           </a:xfrm>
         </p:spPr>
@@ -8426,7 +8818,7 @@
         </p:blipFill>
         <p:spPr>
           <a:xfrm>
-            <a:off x="2241025" y="1498257"/>
+            <a:off x="2267151" y="1904070"/>
             <a:ext cx="4905375" cy="3886200"/>
           </a:xfrm>
           <a:prstGeom prst="rect">
@@ -8626,7 +9018,7 @@
           <a:graphicData uri="http://schemas.openxmlformats.org/presentationml/2006/ole">
             <mc:AlternateContent xmlns:mc="http://schemas.openxmlformats.org/markup-compatibility/2006">
               <mc:Choice xmlns:v="urn:schemas-microsoft-com:vml" Requires="v">
-                <p:oleObj spid="_x0000_s1040" r:id="rId3" imgW="2730500" imgH="584200" progId="Equation.3">
+                <p:oleObj spid="_x0000_s1048" r:id="rId3" imgW="2730500" imgH="584200" progId="Equation.3">
                   <p:embed/>
                 </p:oleObj>
               </mc:Choice>
@@ -8796,30 +9188,6 @@
           </a:p>
         </p:txBody>
       </p:sp>
-      <p:pic>
-        <p:nvPicPr>
-          <p:cNvPr id="10" name="Рисунок 9"/>
-          <p:cNvPicPr>
-            <a:picLocks noChangeAspect="1"/>
-          </p:cNvPicPr>
-          <p:nvPr/>
-        </p:nvPicPr>
-        <p:blipFill>
-          <a:blip r:embed="rId5"/>
-          <a:stretch>
-            <a:fillRect/>
-          </a:stretch>
-        </p:blipFill>
-        <p:spPr>
-          <a:xfrm>
-            <a:off x="190507" y="1367978"/>
-            <a:ext cx="4159646" cy="3545928"/>
-          </a:xfrm>
-          <a:prstGeom prst="rect">
-            <a:avLst/>
-          </a:prstGeom>
-        </p:spPr>
-      </p:pic>
       <p:sp>
         <p:nvSpPr>
           <p:cNvPr id="11" name="Rectangle 6"/>
@@ -8905,12 +9273,12 @@
           <a:graphicData uri="http://schemas.openxmlformats.org/presentationml/2006/ole">
             <mc:AlternateContent xmlns:mc="http://schemas.openxmlformats.org/markup-compatibility/2006">
               <mc:Choice xmlns:v="urn:schemas-microsoft-com:vml" Requires="v">
-                <p:oleObj spid="_x0000_s1041" r:id="rId6" imgW="3390900" imgH="520700" progId="Equation.3">
+                <p:oleObj spid="_x0000_s1049" r:id="rId5" imgW="3390900" imgH="520700" progId="Equation.3">
                   <p:embed/>
                 </p:oleObj>
               </mc:Choice>
               <mc:Fallback>
-                <p:oleObj r:id="rId6" imgW="3390900" imgH="520700" progId="Equation.3">
+                <p:oleObj r:id="rId5" imgW="3390900" imgH="520700" progId="Equation.3">
                   <p:embed/>
                   <p:pic>
                     <p:nvPicPr>
@@ -8921,7 +9289,7 @@
                       <p:nvPr/>
                     </p:nvPicPr>
                     <p:blipFill>
-                      <a:blip r:embed="rId7">
+                      <a:blip r:embed="rId6">
                         <a:extLst>
                           <a:ext uri="{28A0092B-C50C-407E-A947-70E740481C1C}">
                             <a14:useLocalDpi xmlns:a14="http://schemas.microsoft.com/office/drawing/2010/main" val="0"/>
@@ -9084,7 +9452,7 @@
           <p:nvPr/>
         </p:nvPicPr>
         <p:blipFill>
-          <a:blip r:embed="rId8"/>
+          <a:blip r:embed="rId7"/>
           <a:stretch>
             <a:fillRect/>
           </a:stretch>
@@ -9176,6 +9544,30 @@
           </a:p>
         </p:txBody>
       </p:sp>
+      <p:pic>
+        <p:nvPicPr>
+          <p:cNvPr id="7" name="Рисунок 6"/>
+          <p:cNvPicPr>
+            <a:picLocks noChangeAspect="1"/>
+          </p:cNvPicPr>
+          <p:nvPr/>
+        </p:nvPicPr>
+        <p:blipFill>
+          <a:blip r:embed="rId8"/>
+          <a:stretch>
+            <a:fillRect/>
+          </a:stretch>
+        </p:blipFill>
+        <p:spPr>
+          <a:xfrm>
+            <a:off x="285874" y="1343461"/>
+            <a:ext cx="4236698" cy="3570443"/>
+          </a:xfrm>
+          <a:prstGeom prst="rect">
+            <a:avLst/>
+          </a:prstGeom>
+        </p:spPr>
+      </p:pic>
     </p:spTree>
     <p:extLst>
       <p:ext uri="{BB962C8B-B14F-4D97-AF65-F5344CB8AC3E}">
@@ -9199,7 +9591,7 @@
 <file path=ppt/theme/theme1.xml><?xml version="1.0" encoding="utf-8"?>
 <a:theme xmlns:a="http://schemas.openxmlformats.org/drawingml/2006/main" name="Ретро">
   <a:themeElements>
-    <a:clrScheme name="Другая 1">
+    <a:clrScheme name="Ретро">
       <a:dk1>
         <a:sysClr val="windowText" lastClr="000000"/>
       </a:dk1>
@@ -9207,39 +9599,39 @@
         <a:sysClr val="window" lastClr="FFFFFF"/>
       </a:lt1>
       <a:dk2>
-        <a:srgbClr val="444D26"/>
+        <a:srgbClr val="344068"/>
       </a:dk2>
       <a:lt2>
-        <a:srgbClr val="FEFAC9"/>
+        <a:srgbClr val="D9E0E6"/>
       </a:lt2>
       <a:accent1>
-        <a:srgbClr val="000000"/>
+        <a:srgbClr val="1CADE4"/>
       </a:accent1>
       <a:accent2>
-        <a:srgbClr val="F3A447"/>
+        <a:srgbClr val="2683C6"/>
       </a:accent2>
       <a:accent3>
-        <a:srgbClr val="E7BC29"/>
+        <a:srgbClr val="28C4CC"/>
       </a:accent3>
       <a:accent4>
-        <a:srgbClr val="D092A7"/>
+        <a:srgbClr val="42BA97"/>
       </a:accent4>
       <a:accent5>
-        <a:srgbClr val="9C85C0"/>
+        <a:srgbClr val="3E8853"/>
       </a:accent5>
       <a:accent6>
-        <a:srgbClr val="809EC2"/>
+        <a:srgbClr val="62A39F"/>
       </a:accent6>
       <a:hlink>
-        <a:srgbClr val="8E58B6"/>
+        <a:srgbClr val="6EAC1C"/>
       </a:hlink>
       <a:folHlink>
-        <a:srgbClr val="7F6F6F"/>
+        <a:srgbClr val="B26B02"/>
       </a:folHlink>
     </a:clrScheme>
     <a:fontScheme name="Ретро">
       <a:majorFont>
-        <a:latin typeface="Calibri Light"/>
+        <a:latin typeface="Calibri Light" panose="020F0302020204030204"/>
         <a:ea typeface=""/>
         <a:cs typeface=""/>
         <a:font script="Jpan" typeface="ＭＳ Ｐゴシック"/>
@@ -9274,7 +9666,7 @@
         <a:font script="Geor" typeface="Sylfaen"/>
       </a:majorFont>
       <a:minorFont>
-        <a:latin typeface="Calibri"/>
+        <a:latin typeface="Calibri" panose="020F0502020204030204"/>
         <a:ea typeface=""/>
         <a:cs typeface=""/>
         <a:font script="Jpan" typeface="ＭＳ Ｐゴシック"/>
@@ -9473,7 +9865,7 @@
   <a:extraClrSchemeLst/>
   <a:extLst>
     <a:ext uri="{05A4C25C-085E-4340-85A3-A5531E510DB2}">
-      <thm15:themeFamily xmlns:thm15="http://schemas.microsoft.com/office/thememl/2012/main" name="Retrospect" id="{5F128B03-DCCA-4EEB-AB3B-CF2899314A46}" vid="{3F1AAB62-24C6-49D2-8E01-B56FAC9A3DCD}"/>
+      <thm15:themeFamily xmlns:thm15="http://schemas.microsoft.com/office/thememl/2012/main" name="Retrospect" id="{5F128B03-DCCA-4EEB-AB3B-CF2899314A46}" vid="{9CC26709-368C-4D72-9060-94E5B3FF3CD6}"/>
     </a:ext>
   </a:extLst>
 </a:theme>
